--- a/CS415_OS_Presentation.pptx
+++ b/CS415_OS_Presentation.pptx
@@ -73,8 +73,8 @@
         </p:nvSpPr>
         <p:spPr>
           <a:xfrm>
-            <a:off x="311760" y="744480"/>
-            <a:ext cx="8519400" cy="2051640"/>
+            <a:off x="457200" y="205200"/>
+            <a:ext cx="8229240" cy="858600"/>
           </a:xfrm>
           <a:prstGeom prst="rect">
             <a:avLst/>
@@ -100,8 +100,8 @@
         </p:nvSpPr>
         <p:spPr>
           <a:xfrm>
-            <a:off x="311760" y="2834280"/>
-            <a:ext cx="8519400" cy="377280"/>
+            <a:off x="457200" y="1203480"/>
+            <a:ext cx="8229240" cy="1422720"/>
           </a:xfrm>
           <a:prstGeom prst="rect">
             <a:avLst/>
@@ -126,8 +126,8 @@
         </p:nvSpPr>
         <p:spPr>
           <a:xfrm>
-            <a:off x="311760" y="3247920"/>
-            <a:ext cx="8519400" cy="377280"/>
+            <a:off x="457200" y="2761920"/>
+            <a:ext cx="8229240" cy="1422720"/>
           </a:xfrm>
           <a:prstGeom prst="rect">
             <a:avLst/>
@@ -174,8 +174,8 @@
         </p:nvSpPr>
         <p:spPr>
           <a:xfrm>
-            <a:off x="311760" y="744480"/>
-            <a:ext cx="8519400" cy="2051640"/>
+            <a:off x="457200" y="205200"/>
+            <a:ext cx="8229240" cy="858600"/>
           </a:xfrm>
           <a:prstGeom prst="rect">
             <a:avLst/>
@@ -201,8 +201,8 @@
         </p:nvSpPr>
         <p:spPr>
           <a:xfrm>
-            <a:off x="311760" y="2834280"/>
-            <a:ext cx="4157280" cy="377280"/>
+            <a:off x="457200" y="1203480"/>
+            <a:ext cx="4015800" cy="1422720"/>
           </a:xfrm>
           <a:prstGeom prst="rect">
             <a:avLst/>
@@ -227,8 +227,8 @@
         </p:nvSpPr>
         <p:spPr>
           <a:xfrm>
-            <a:off x="4677120" y="2834280"/>
-            <a:ext cx="4157280" cy="377280"/>
+            <a:off x="4674240" y="1203480"/>
+            <a:ext cx="4015800" cy="1422720"/>
           </a:xfrm>
           <a:prstGeom prst="rect">
             <a:avLst/>
@@ -253,8 +253,8 @@
         </p:nvSpPr>
         <p:spPr>
           <a:xfrm>
-            <a:off x="4677120" y="3247920"/>
-            <a:ext cx="4157280" cy="377280"/>
+            <a:off x="4674240" y="2761920"/>
+            <a:ext cx="4015800" cy="1422720"/>
           </a:xfrm>
           <a:prstGeom prst="rect">
             <a:avLst/>
@@ -279,8 +279,8 @@
         </p:nvSpPr>
         <p:spPr>
           <a:xfrm>
-            <a:off x="311760" y="3247920"/>
-            <a:ext cx="4157280" cy="377280"/>
+            <a:off x="457200" y="2761920"/>
+            <a:ext cx="4015800" cy="1422720"/>
           </a:xfrm>
           <a:prstGeom prst="rect">
             <a:avLst/>
@@ -327,8 +327,8 @@
         </p:nvSpPr>
         <p:spPr>
           <a:xfrm>
-            <a:off x="311760" y="744480"/>
-            <a:ext cx="8519400" cy="2051640"/>
+            <a:off x="457200" y="205200"/>
+            <a:ext cx="8229240" cy="858600"/>
           </a:xfrm>
           <a:prstGeom prst="rect">
             <a:avLst/>
@@ -354,8 +354,8 @@
         </p:nvSpPr>
         <p:spPr>
           <a:xfrm>
-            <a:off x="311760" y="2834280"/>
-            <a:ext cx="8519400" cy="791640"/>
+            <a:off x="457200" y="1203480"/>
+            <a:ext cx="8229240" cy="2982960"/>
           </a:xfrm>
           <a:prstGeom prst="rect">
             <a:avLst/>
@@ -380,8 +380,8 @@
         </p:nvSpPr>
         <p:spPr>
           <a:xfrm>
-            <a:off x="311760" y="2834280"/>
-            <a:ext cx="8519400" cy="791640"/>
+            <a:off x="457200" y="1203480"/>
+            <a:ext cx="8229240" cy="2982960"/>
           </a:xfrm>
           <a:prstGeom prst="rect">
             <a:avLst/>
@@ -406,8 +406,8 @@
         </p:blipFill>
         <p:spPr>
           <a:xfrm>
-            <a:off x="4075200" y="2833920"/>
-            <a:ext cx="992160" cy="791640"/>
+            <a:off x="2702160" y="1203480"/>
+            <a:ext cx="3738600" cy="2982960"/>
           </a:xfrm>
           <a:prstGeom prst="rect">
             <a:avLst/>
@@ -429,8 +429,8 @@
         </p:blipFill>
         <p:spPr>
           <a:xfrm>
-            <a:off x="4075200" y="2833920"/>
-            <a:ext cx="992160" cy="791640"/>
+            <a:off x="2702160" y="1203480"/>
+            <a:ext cx="3738600" cy="2982960"/>
           </a:xfrm>
           <a:prstGeom prst="rect">
             <a:avLst/>
@@ -496,8 +496,8 @@
         </p:nvSpPr>
         <p:spPr>
           <a:xfrm>
-            <a:off x="311760" y="744480"/>
-            <a:ext cx="8519400" cy="2051640"/>
+            <a:off x="457200" y="205200"/>
+            <a:ext cx="8229240" cy="858600"/>
           </a:xfrm>
           <a:prstGeom prst="rect">
             <a:avLst/>
@@ -523,8 +523,8 @@
         </p:nvSpPr>
         <p:spPr>
           <a:xfrm>
-            <a:off x="311760" y="2834280"/>
-            <a:ext cx="8519400" cy="791640"/>
+            <a:off x="457200" y="1203480"/>
+            <a:ext cx="8229240" cy="2982960"/>
           </a:xfrm>
           <a:prstGeom prst="rect">
             <a:avLst/>
@@ -572,8 +572,8 @@
         </p:nvSpPr>
         <p:spPr>
           <a:xfrm>
-            <a:off x="311760" y="744480"/>
-            <a:ext cx="8519400" cy="2051640"/>
+            <a:off x="457200" y="205200"/>
+            <a:ext cx="8229240" cy="858600"/>
           </a:xfrm>
           <a:prstGeom prst="rect">
             <a:avLst/>
@@ -599,8 +599,8 @@
         </p:nvSpPr>
         <p:spPr>
           <a:xfrm>
-            <a:off x="311760" y="2834280"/>
-            <a:ext cx="8519400" cy="791640"/>
+            <a:off x="457200" y="1203480"/>
+            <a:ext cx="8229240" cy="2982960"/>
           </a:xfrm>
           <a:prstGeom prst="rect">
             <a:avLst/>
@@ -647,8 +647,8 @@
         </p:nvSpPr>
         <p:spPr>
           <a:xfrm>
-            <a:off x="311760" y="744480"/>
-            <a:ext cx="8519400" cy="2051640"/>
+            <a:off x="457200" y="205200"/>
+            <a:ext cx="8229240" cy="858600"/>
           </a:xfrm>
           <a:prstGeom prst="rect">
             <a:avLst/>
@@ -674,8 +674,8 @@
         </p:nvSpPr>
         <p:spPr>
           <a:xfrm>
-            <a:off x="311760" y="2834280"/>
-            <a:ext cx="4157280" cy="791640"/>
+            <a:off x="457200" y="1203480"/>
+            <a:ext cx="4015800" cy="2982960"/>
           </a:xfrm>
           <a:prstGeom prst="rect">
             <a:avLst/>
@@ -700,8 +700,8 @@
         </p:nvSpPr>
         <p:spPr>
           <a:xfrm>
-            <a:off x="4677120" y="2834280"/>
-            <a:ext cx="4157280" cy="791640"/>
+            <a:off x="4674240" y="1203480"/>
+            <a:ext cx="4015800" cy="2982960"/>
           </a:xfrm>
           <a:prstGeom prst="rect">
             <a:avLst/>
@@ -748,8 +748,8 @@
         </p:nvSpPr>
         <p:spPr>
           <a:xfrm>
-            <a:off x="311760" y="744480"/>
-            <a:ext cx="8519400" cy="2051640"/>
+            <a:off x="457200" y="205200"/>
+            <a:ext cx="8229240" cy="858600"/>
           </a:xfrm>
           <a:prstGeom prst="rect">
             <a:avLst/>
@@ -797,8 +797,8 @@
         </p:nvSpPr>
         <p:spPr>
           <a:xfrm>
-            <a:off x="311760" y="744480"/>
-            <a:ext cx="8519400" cy="9511560"/>
+            <a:off x="457200" y="205200"/>
+            <a:ext cx="8229240" cy="3981240"/>
           </a:xfrm>
           <a:prstGeom prst="rect">
             <a:avLst/>
@@ -846,8 +846,8 @@
         </p:nvSpPr>
         <p:spPr>
           <a:xfrm>
-            <a:off x="311760" y="744480"/>
-            <a:ext cx="8519400" cy="2051640"/>
+            <a:off x="457200" y="205200"/>
+            <a:ext cx="8229240" cy="858600"/>
           </a:xfrm>
           <a:prstGeom prst="rect">
             <a:avLst/>
@@ -873,8 +873,8 @@
         </p:nvSpPr>
         <p:spPr>
           <a:xfrm>
-            <a:off x="311760" y="2834280"/>
-            <a:ext cx="4157280" cy="377280"/>
+            <a:off x="457200" y="1203480"/>
+            <a:ext cx="4015800" cy="1422720"/>
           </a:xfrm>
           <a:prstGeom prst="rect">
             <a:avLst/>
@@ -899,8 +899,8 @@
         </p:nvSpPr>
         <p:spPr>
           <a:xfrm>
-            <a:off x="311760" y="3247920"/>
-            <a:ext cx="4157280" cy="377280"/>
+            <a:off x="457200" y="2761920"/>
+            <a:ext cx="4015800" cy="1422720"/>
           </a:xfrm>
           <a:prstGeom prst="rect">
             <a:avLst/>
@@ -925,8 +925,8 @@
         </p:nvSpPr>
         <p:spPr>
           <a:xfrm>
-            <a:off x="4677120" y="2834280"/>
-            <a:ext cx="4157280" cy="791640"/>
+            <a:off x="4674240" y="1203480"/>
+            <a:ext cx="4015800" cy="2982960"/>
           </a:xfrm>
           <a:prstGeom prst="rect">
             <a:avLst/>
@@ -973,8 +973,8 @@
         </p:nvSpPr>
         <p:spPr>
           <a:xfrm>
-            <a:off x="311760" y="744480"/>
-            <a:ext cx="8519400" cy="2051640"/>
+            <a:off x="457200" y="205200"/>
+            <a:ext cx="8229240" cy="858600"/>
           </a:xfrm>
           <a:prstGeom prst="rect">
             <a:avLst/>
@@ -1000,8 +1000,8 @@
         </p:nvSpPr>
         <p:spPr>
           <a:xfrm>
-            <a:off x="311760" y="2834280"/>
-            <a:ext cx="8519400" cy="791640"/>
+            <a:off x="457200" y="1203480"/>
+            <a:ext cx="8229240" cy="2982960"/>
           </a:xfrm>
           <a:prstGeom prst="rect">
             <a:avLst/>
@@ -1049,8 +1049,8 @@
         </p:nvSpPr>
         <p:spPr>
           <a:xfrm>
-            <a:off x="311760" y="744480"/>
-            <a:ext cx="8519400" cy="2051640"/>
+            <a:off x="457200" y="205200"/>
+            <a:ext cx="8229240" cy="858600"/>
           </a:xfrm>
           <a:prstGeom prst="rect">
             <a:avLst/>
@@ -1076,8 +1076,8 @@
         </p:nvSpPr>
         <p:spPr>
           <a:xfrm>
-            <a:off x="311760" y="2834280"/>
-            <a:ext cx="4157280" cy="791640"/>
+            <a:off x="457200" y="1203480"/>
+            <a:ext cx="4015800" cy="2982960"/>
           </a:xfrm>
           <a:prstGeom prst="rect">
             <a:avLst/>
@@ -1102,8 +1102,8 @@
         </p:nvSpPr>
         <p:spPr>
           <a:xfrm>
-            <a:off x="4677120" y="2834280"/>
-            <a:ext cx="4157280" cy="377280"/>
+            <a:off x="4674240" y="1203480"/>
+            <a:ext cx="4015800" cy="1422720"/>
           </a:xfrm>
           <a:prstGeom prst="rect">
             <a:avLst/>
@@ -1128,8 +1128,8 @@
         </p:nvSpPr>
         <p:spPr>
           <a:xfrm>
-            <a:off x="4677120" y="3247920"/>
-            <a:ext cx="4157280" cy="377280"/>
+            <a:off x="4674240" y="2761920"/>
+            <a:ext cx="4015800" cy="1422720"/>
           </a:xfrm>
           <a:prstGeom prst="rect">
             <a:avLst/>
@@ -1176,8 +1176,8 @@
         </p:nvSpPr>
         <p:spPr>
           <a:xfrm>
-            <a:off x="311760" y="744480"/>
-            <a:ext cx="8519400" cy="2051640"/>
+            <a:off x="457200" y="205200"/>
+            <a:ext cx="8229240" cy="858600"/>
           </a:xfrm>
           <a:prstGeom prst="rect">
             <a:avLst/>
@@ -1203,8 +1203,8 @@
         </p:nvSpPr>
         <p:spPr>
           <a:xfrm>
-            <a:off x="311760" y="2834280"/>
-            <a:ext cx="4157280" cy="377280"/>
+            <a:off x="457200" y="1203480"/>
+            <a:ext cx="4015800" cy="1422720"/>
           </a:xfrm>
           <a:prstGeom prst="rect">
             <a:avLst/>
@@ -1229,8 +1229,8 @@
         </p:nvSpPr>
         <p:spPr>
           <a:xfrm>
-            <a:off x="4677120" y="2834280"/>
-            <a:ext cx="4157280" cy="377280"/>
+            <a:off x="4674240" y="1203480"/>
+            <a:ext cx="4015800" cy="1422720"/>
           </a:xfrm>
           <a:prstGeom prst="rect">
             <a:avLst/>
@@ -1255,8 +1255,8 @@
         </p:nvSpPr>
         <p:spPr>
           <a:xfrm>
-            <a:off x="311760" y="3247920"/>
-            <a:ext cx="8519400" cy="377280"/>
+            <a:off x="457200" y="2761920"/>
+            <a:ext cx="8229240" cy="1422720"/>
           </a:xfrm>
           <a:prstGeom prst="rect">
             <a:avLst/>
@@ -1303,8 +1303,8 @@
         </p:nvSpPr>
         <p:spPr>
           <a:xfrm>
-            <a:off x="311760" y="744480"/>
-            <a:ext cx="8519400" cy="2051640"/>
+            <a:off x="457200" y="205200"/>
+            <a:ext cx="8229240" cy="858600"/>
           </a:xfrm>
           <a:prstGeom prst="rect">
             <a:avLst/>
@@ -1330,8 +1330,8 @@
         </p:nvSpPr>
         <p:spPr>
           <a:xfrm>
-            <a:off x="311760" y="2834280"/>
-            <a:ext cx="8519400" cy="377280"/>
+            <a:off x="457200" y="1203480"/>
+            <a:ext cx="8229240" cy="1422720"/>
           </a:xfrm>
           <a:prstGeom prst="rect">
             <a:avLst/>
@@ -1356,8 +1356,8 @@
         </p:nvSpPr>
         <p:spPr>
           <a:xfrm>
-            <a:off x="311760" y="3247920"/>
-            <a:ext cx="8519400" cy="377280"/>
+            <a:off x="457200" y="2761920"/>
+            <a:ext cx="8229240" cy="1422720"/>
           </a:xfrm>
           <a:prstGeom prst="rect">
             <a:avLst/>
@@ -1404,8 +1404,8 @@
         </p:nvSpPr>
         <p:spPr>
           <a:xfrm>
-            <a:off x="311760" y="744480"/>
-            <a:ext cx="8519400" cy="2051640"/>
+            <a:off x="457200" y="205200"/>
+            <a:ext cx="8229240" cy="858600"/>
           </a:xfrm>
           <a:prstGeom prst="rect">
             <a:avLst/>
@@ -1431,8 +1431,8 @@
         </p:nvSpPr>
         <p:spPr>
           <a:xfrm>
-            <a:off x="311760" y="2834280"/>
-            <a:ext cx="4157280" cy="377280"/>
+            <a:off x="457200" y="1203480"/>
+            <a:ext cx="4015800" cy="1422720"/>
           </a:xfrm>
           <a:prstGeom prst="rect">
             <a:avLst/>
@@ -1457,8 +1457,8 @@
         </p:nvSpPr>
         <p:spPr>
           <a:xfrm>
-            <a:off x="4677120" y="2834280"/>
-            <a:ext cx="4157280" cy="377280"/>
+            <a:off x="4674240" y="1203480"/>
+            <a:ext cx="4015800" cy="1422720"/>
           </a:xfrm>
           <a:prstGeom prst="rect">
             <a:avLst/>
@@ -1483,8 +1483,8 @@
         </p:nvSpPr>
         <p:spPr>
           <a:xfrm>
-            <a:off x="4677120" y="3247920"/>
-            <a:ext cx="4157280" cy="377280"/>
+            <a:off x="4674240" y="2761920"/>
+            <a:ext cx="4015800" cy="1422720"/>
           </a:xfrm>
           <a:prstGeom prst="rect">
             <a:avLst/>
@@ -1509,8 +1509,8 @@
         </p:nvSpPr>
         <p:spPr>
           <a:xfrm>
-            <a:off x="311760" y="3247920"/>
-            <a:ext cx="4157280" cy="377280"/>
+            <a:off x="457200" y="2761920"/>
+            <a:ext cx="4015800" cy="1422720"/>
           </a:xfrm>
           <a:prstGeom prst="rect">
             <a:avLst/>
@@ -1557,8 +1557,8 @@
         </p:nvSpPr>
         <p:spPr>
           <a:xfrm>
-            <a:off x="311760" y="744480"/>
-            <a:ext cx="8519400" cy="2051640"/>
+            <a:off x="457200" y="205200"/>
+            <a:ext cx="8229240" cy="858600"/>
           </a:xfrm>
           <a:prstGeom prst="rect">
             <a:avLst/>
@@ -1584,8 +1584,8 @@
         </p:nvSpPr>
         <p:spPr>
           <a:xfrm>
-            <a:off x="311760" y="2834280"/>
-            <a:ext cx="8519400" cy="791640"/>
+            <a:off x="457200" y="1203480"/>
+            <a:ext cx="8229240" cy="2982960"/>
           </a:xfrm>
           <a:prstGeom prst="rect">
             <a:avLst/>
@@ -1610,8 +1610,8 @@
         </p:nvSpPr>
         <p:spPr>
           <a:xfrm>
-            <a:off x="311760" y="2834280"/>
-            <a:ext cx="8519400" cy="791640"/>
+            <a:off x="457200" y="1203480"/>
+            <a:ext cx="8229240" cy="2982960"/>
           </a:xfrm>
           <a:prstGeom prst="rect">
             <a:avLst/>
@@ -1636,8 +1636,8 @@
         </p:blipFill>
         <p:spPr>
           <a:xfrm>
-            <a:off x="4075200" y="2833920"/>
-            <a:ext cx="992160" cy="791640"/>
+            <a:off x="2702160" y="1203480"/>
+            <a:ext cx="3738600" cy="2982960"/>
           </a:xfrm>
           <a:prstGeom prst="rect">
             <a:avLst/>
@@ -1659,8 +1659,8 @@
         </p:blipFill>
         <p:spPr>
           <a:xfrm>
-            <a:off x="4075200" y="2833920"/>
-            <a:ext cx="992160" cy="791640"/>
+            <a:off x="2702160" y="1203480"/>
+            <a:ext cx="3738600" cy="2982960"/>
           </a:xfrm>
           <a:prstGeom prst="rect">
             <a:avLst/>
@@ -1726,8 +1726,8 @@
         </p:nvSpPr>
         <p:spPr>
           <a:xfrm>
-            <a:off x="311760" y="744480"/>
-            <a:ext cx="8519400" cy="2051640"/>
+            <a:off x="457200" y="205200"/>
+            <a:ext cx="8229240" cy="858600"/>
           </a:xfrm>
           <a:prstGeom prst="rect">
             <a:avLst/>
@@ -1753,8 +1753,8 @@
         </p:nvSpPr>
         <p:spPr>
           <a:xfrm>
-            <a:off x="311760" y="2834280"/>
-            <a:ext cx="8519400" cy="791640"/>
+            <a:off x="457200" y="1203480"/>
+            <a:ext cx="8229240" cy="2982960"/>
           </a:xfrm>
           <a:prstGeom prst="rect">
             <a:avLst/>
@@ -1802,8 +1802,8 @@
         </p:nvSpPr>
         <p:spPr>
           <a:xfrm>
-            <a:off x="311760" y="744480"/>
-            <a:ext cx="8519400" cy="2051640"/>
+            <a:off x="457200" y="205200"/>
+            <a:ext cx="8229240" cy="858600"/>
           </a:xfrm>
           <a:prstGeom prst="rect">
             <a:avLst/>
@@ -1829,8 +1829,8 @@
         </p:nvSpPr>
         <p:spPr>
           <a:xfrm>
-            <a:off x="311760" y="2834280"/>
-            <a:ext cx="8519400" cy="791640"/>
+            <a:off x="457200" y="1203480"/>
+            <a:ext cx="8229240" cy="2982960"/>
           </a:xfrm>
           <a:prstGeom prst="rect">
             <a:avLst/>
@@ -1877,8 +1877,8 @@
         </p:nvSpPr>
         <p:spPr>
           <a:xfrm>
-            <a:off x="311760" y="744480"/>
-            <a:ext cx="8519400" cy="2051640"/>
+            <a:off x="457200" y="205200"/>
+            <a:ext cx="8229240" cy="858600"/>
           </a:xfrm>
           <a:prstGeom prst="rect">
             <a:avLst/>
@@ -1904,8 +1904,8 @@
         </p:nvSpPr>
         <p:spPr>
           <a:xfrm>
-            <a:off x="311760" y="2834280"/>
-            <a:ext cx="4157280" cy="791640"/>
+            <a:off x="457200" y="1203480"/>
+            <a:ext cx="4015800" cy="2982960"/>
           </a:xfrm>
           <a:prstGeom prst="rect">
             <a:avLst/>
@@ -1930,8 +1930,8 @@
         </p:nvSpPr>
         <p:spPr>
           <a:xfrm>
-            <a:off x="4677120" y="2834280"/>
-            <a:ext cx="4157280" cy="791640"/>
+            <a:off x="4674240" y="1203480"/>
+            <a:ext cx="4015800" cy="2982960"/>
           </a:xfrm>
           <a:prstGeom prst="rect">
             <a:avLst/>
@@ -1978,8 +1978,8 @@
         </p:nvSpPr>
         <p:spPr>
           <a:xfrm>
-            <a:off x="311760" y="744480"/>
-            <a:ext cx="8519400" cy="2051640"/>
+            <a:off x="457200" y="205200"/>
+            <a:ext cx="8229240" cy="858600"/>
           </a:xfrm>
           <a:prstGeom prst="rect">
             <a:avLst/>
@@ -2027,8 +2027,8 @@
         </p:nvSpPr>
         <p:spPr>
           <a:xfrm>
-            <a:off x="311760" y="744480"/>
-            <a:ext cx="8519400" cy="2051640"/>
+            <a:off x="457200" y="205200"/>
+            <a:ext cx="8229240" cy="858600"/>
           </a:xfrm>
           <a:prstGeom prst="rect">
             <a:avLst/>
@@ -2054,8 +2054,8 @@
         </p:nvSpPr>
         <p:spPr>
           <a:xfrm>
-            <a:off x="311760" y="2834280"/>
-            <a:ext cx="8519400" cy="791640"/>
+            <a:off x="457200" y="1203480"/>
+            <a:ext cx="8229240" cy="2982960"/>
           </a:xfrm>
           <a:prstGeom prst="rect">
             <a:avLst/>
@@ -2102,8 +2102,8 @@
         </p:nvSpPr>
         <p:spPr>
           <a:xfrm>
-            <a:off x="311760" y="744480"/>
-            <a:ext cx="8519400" cy="9511560"/>
+            <a:off x="457200" y="205200"/>
+            <a:ext cx="8229240" cy="3981240"/>
           </a:xfrm>
           <a:prstGeom prst="rect">
             <a:avLst/>
@@ -2151,8 +2151,8 @@
         </p:nvSpPr>
         <p:spPr>
           <a:xfrm>
-            <a:off x="311760" y="744480"/>
-            <a:ext cx="8519400" cy="2051640"/>
+            <a:off x="457200" y="205200"/>
+            <a:ext cx="8229240" cy="858600"/>
           </a:xfrm>
           <a:prstGeom prst="rect">
             <a:avLst/>
@@ -2178,8 +2178,8 @@
         </p:nvSpPr>
         <p:spPr>
           <a:xfrm>
-            <a:off x="311760" y="2834280"/>
-            <a:ext cx="4157280" cy="377280"/>
+            <a:off x="457200" y="1203480"/>
+            <a:ext cx="4015800" cy="1422720"/>
           </a:xfrm>
           <a:prstGeom prst="rect">
             <a:avLst/>
@@ -2204,8 +2204,8 @@
         </p:nvSpPr>
         <p:spPr>
           <a:xfrm>
-            <a:off x="311760" y="3247920"/>
-            <a:ext cx="4157280" cy="377280"/>
+            <a:off x="457200" y="2761920"/>
+            <a:ext cx="4015800" cy="1422720"/>
           </a:xfrm>
           <a:prstGeom prst="rect">
             <a:avLst/>
@@ -2230,8 +2230,8 @@
         </p:nvSpPr>
         <p:spPr>
           <a:xfrm>
-            <a:off x="4677120" y="2834280"/>
-            <a:ext cx="4157280" cy="791640"/>
+            <a:off x="4674240" y="1203480"/>
+            <a:ext cx="4015800" cy="2982960"/>
           </a:xfrm>
           <a:prstGeom prst="rect">
             <a:avLst/>
@@ -2278,8 +2278,8 @@
         </p:nvSpPr>
         <p:spPr>
           <a:xfrm>
-            <a:off x="311760" y="744480"/>
-            <a:ext cx="8519400" cy="2051640"/>
+            <a:off x="457200" y="205200"/>
+            <a:ext cx="8229240" cy="858600"/>
           </a:xfrm>
           <a:prstGeom prst="rect">
             <a:avLst/>
@@ -2305,8 +2305,8 @@
         </p:nvSpPr>
         <p:spPr>
           <a:xfrm>
-            <a:off x="311760" y="2834280"/>
-            <a:ext cx="4157280" cy="791640"/>
+            <a:off x="457200" y="1203480"/>
+            <a:ext cx="4015800" cy="2982960"/>
           </a:xfrm>
           <a:prstGeom prst="rect">
             <a:avLst/>
@@ -2331,8 +2331,8 @@
         </p:nvSpPr>
         <p:spPr>
           <a:xfrm>
-            <a:off x="4677120" y="2834280"/>
-            <a:ext cx="4157280" cy="377280"/>
+            <a:off x="4674240" y="1203480"/>
+            <a:ext cx="4015800" cy="1422720"/>
           </a:xfrm>
           <a:prstGeom prst="rect">
             <a:avLst/>
@@ -2357,8 +2357,8 @@
         </p:nvSpPr>
         <p:spPr>
           <a:xfrm>
-            <a:off x="4677120" y="3247920"/>
-            <a:ext cx="4157280" cy="377280"/>
+            <a:off x="4674240" y="2761920"/>
+            <a:ext cx="4015800" cy="1422720"/>
           </a:xfrm>
           <a:prstGeom prst="rect">
             <a:avLst/>
@@ -2405,8 +2405,8 @@
         </p:nvSpPr>
         <p:spPr>
           <a:xfrm>
-            <a:off x="311760" y="744480"/>
-            <a:ext cx="8519400" cy="2051640"/>
+            <a:off x="457200" y="205200"/>
+            <a:ext cx="8229240" cy="858600"/>
           </a:xfrm>
           <a:prstGeom prst="rect">
             <a:avLst/>
@@ -2432,8 +2432,8 @@
         </p:nvSpPr>
         <p:spPr>
           <a:xfrm>
-            <a:off x="311760" y="2834280"/>
-            <a:ext cx="4157280" cy="377280"/>
+            <a:off x="457200" y="1203480"/>
+            <a:ext cx="4015800" cy="1422720"/>
           </a:xfrm>
           <a:prstGeom prst="rect">
             <a:avLst/>
@@ -2458,8 +2458,8 @@
         </p:nvSpPr>
         <p:spPr>
           <a:xfrm>
-            <a:off x="4677120" y="2834280"/>
-            <a:ext cx="4157280" cy="377280"/>
+            <a:off x="4674240" y="1203480"/>
+            <a:ext cx="4015800" cy="1422720"/>
           </a:xfrm>
           <a:prstGeom prst="rect">
             <a:avLst/>
@@ -2484,8 +2484,8 @@
         </p:nvSpPr>
         <p:spPr>
           <a:xfrm>
-            <a:off x="311760" y="3247920"/>
-            <a:ext cx="8519400" cy="377280"/>
+            <a:off x="457200" y="2761920"/>
+            <a:ext cx="8229240" cy="1422720"/>
           </a:xfrm>
           <a:prstGeom prst="rect">
             <a:avLst/>
@@ -2532,8 +2532,8 @@
         </p:nvSpPr>
         <p:spPr>
           <a:xfrm>
-            <a:off x="311760" y="744480"/>
-            <a:ext cx="8519400" cy="2051640"/>
+            <a:off x="457200" y="205200"/>
+            <a:ext cx="8229240" cy="858600"/>
           </a:xfrm>
           <a:prstGeom prst="rect">
             <a:avLst/>
@@ -2559,8 +2559,8 @@
         </p:nvSpPr>
         <p:spPr>
           <a:xfrm>
-            <a:off x="311760" y="2834280"/>
-            <a:ext cx="8519400" cy="377280"/>
+            <a:off x="457200" y="1203480"/>
+            <a:ext cx="8229240" cy="1422720"/>
           </a:xfrm>
           <a:prstGeom prst="rect">
             <a:avLst/>
@@ -2585,8 +2585,8 @@
         </p:nvSpPr>
         <p:spPr>
           <a:xfrm>
-            <a:off x="311760" y="3247920"/>
-            <a:ext cx="8519400" cy="377280"/>
+            <a:off x="457200" y="2761920"/>
+            <a:ext cx="8229240" cy="1422720"/>
           </a:xfrm>
           <a:prstGeom prst="rect">
             <a:avLst/>
@@ -2633,8 +2633,8 @@
         </p:nvSpPr>
         <p:spPr>
           <a:xfrm>
-            <a:off x="311760" y="744480"/>
-            <a:ext cx="8519400" cy="2051640"/>
+            <a:off x="457200" y="205200"/>
+            <a:ext cx="8229240" cy="858600"/>
           </a:xfrm>
           <a:prstGeom prst="rect">
             <a:avLst/>
@@ -2660,8 +2660,8 @@
         </p:nvSpPr>
         <p:spPr>
           <a:xfrm>
-            <a:off x="311760" y="2834280"/>
-            <a:ext cx="4157280" cy="377280"/>
+            <a:off x="457200" y="1203480"/>
+            <a:ext cx="4015800" cy="1422720"/>
           </a:xfrm>
           <a:prstGeom prst="rect">
             <a:avLst/>
@@ -2686,8 +2686,8 @@
         </p:nvSpPr>
         <p:spPr>
           <a:xfrm>
-            <a:off x="4677120" y="2834280"/>
-            <a:ext cx="4157280" cy="377280"/>
+            <a:off x="4674240" y="1203480"/>
+            <a:ext cx="4015800" cy="1422720"/>
           </a:xfrm>
           <a:prstGeom prst="rect">
             <a:avLst/>
@@ -2712,8 +2712,8 @@
         </p:nvSpPr>
         <p:spPr>
           <a:xfrm>
-            <a:off x="4677120" y="3247920"/>
-            <a:ext cx="4157280" cy="377280"/>
+            <a:off x="4674240" y="2761920"/>
+            <a:ext cx="4015800" cy="1422720"/>
           </a:xfrm>
           <a:prstGeom prst="rect">
             <a:avLst/>
@@ -2738,8 +2738,8 @@
         </p:nvSpPr>
         <p:spPr>
           <a:xfrm>
-            <a:off x="311760" y="3247920"/>
-            <a:ext cx="4157280" cy="377280"/>
+            <a:off x="457200" y="2761920"/>
+            <a:ext cx="4015800" cy="1422720"/>
           </a:xfrm>
           <a:prstGeom prst="rect">
             <a:avLst/>
@@ -2786,8 +2786,8 @@
         </p:nvSpPr>
         <p:spPr>
           <a:xfrm>
-            <a:off x="311760" y="744480"/>
-            <a:ext cx="8519400" cy="2051640"/>
+            <a:off x="457200" y="205200"/>
+            <a:ext cx="8229240" cy="858600"/>
           </a:xfrm>
           <a:prstGeom prst="rect">
             <a:avLst/>
@@ -2813,8 +2813,8 @@
         </p:nvSpPr>
         <p:spPr>
           <a:xfrm>
-            <a:off x="311760" y="2834280"/>
-            <a:ext cx="8519400" cy="791640"/>
+            <a:off x="457200" y="1203480"/>
+            <a:ext cx="8229240" cy="2982960"/>
           </a:xfrm>
           <a:prstGeom prst="rect">
             <a:avLst/>
@@ -2839,8 +2839,8 @@
         </p:nvSpPr>
         <p:spPr>
           <a:xfrm>
-            <a:off x="311760" y="2834280"/>
-            <a:ext cx="8519400" cy="791640"/>
+            <a:off x="457200" y="1203480"/>
+            <a:ext cx="8229240" cy="2982960"/>
           </a:xfrm>
           <a:prstGeom prst="rect">
             <a:avLst/>
@@ -2865,8 +2865,8 @@
         </p:blipFill>
         <p:spPr>
           <a:xfrm>
-            <a:off x="4075200" y="2833920"/>
-            <a:ext cx="992160" cy="791640"/>
+            <a:off x="2702160" y="1203480"/>
+            <a:ext cx="3738600" cy="2982960"/>
           </a:xfrm>
           <a:prstGeom prst="rect">
             <a:avLst/>
@@ -2888,8 +2888,8 @@
         </p:blipFill>
         <p:spPr>
           <a:xfrm>
-            <a:off x="4075200" y="2833920"/>
-            <a:ext cx="992160" cy="791640"/>
+            <a:off x="2702160" y="1203480"/>
+            <a:ext cx="3738600" cy="2982960"/>
           </a:xfrm>
           <a:prstGeom prst="rect">
             <a:avLst/>
@@ -2933,8 +2933,8 @@
         </p:nvSpPr>
         <p:spPr>
           <a:xfrm>
-            <a:off x="311760" y="744480"/>
-            <a:ext cx="8519400" cy="2051640"/>
+            <a:off x="457200" y="205200"/>
+            <a:ext cx="8229240" cy="858600"/>
           </a:xfrm>
           <a:prstGeom prst="rect">
             <a:avLst/>
@@ -2960,8 +2960,8 @@
         </p:nvSpPr>
         <p:spPr>
           <a:xfrm>
-            <a:off x="311760" y="2834280"/>
-            <a:ext cx="4157280" cy="791640"/>
+            <a:off x="457200" y="1203480"/>
+            <a:ext cx="4015800" cy="2982960"/>
           </a:xfrm>
           <a:prstGeom prst="rect">
             <a:avLst/>
@@ -2986,8 +2986,8 @@
         </p:nvSpPr>
         <p:spPr>
           <a:xfrm>
-            <a:off x="4677120" y="2834280"/>
-            <a:ext cx="4157280" cy="791640"/>
+            <a:off x="4674240" y="1203480"/>
+            <a:ext cx="4015800" cy="2982960"/>
           </a:xfrm>
           <a:prstGeom prst="rect">
             <a:avLst/>
@@ -3034,8 +3034,8 @@
         </p:nvSpPr>
         <p:spPr>
           <a:xfrm>
-            <a:off x="311760" y="744480"/>
-            <a:ext cx="8519400" cy="2051640"/>
+            <a:off x="457200" y="205200"/>
+            <a:ext cx="8229240" cy="858600"/>
           </a:xfrm>
           <a:prstGeom prst="rect">
             <a:avLst/>
@@ -3083,8 +3083,8 @@
         </p:nvSpPr>
         <p:spPr>
           <a:xfrm>
-            <a:off x="311760" y="744480"/>
-            <a:ext cx="8519400" cy="9511560"/>
+            <a:off x="457200" y="205200"/>
+            <a:ext cx="8229240" cy="3981240"/>
           </a:xfrm>
           <a:prstGeom prst="rect">
             <a:avLst/>
@@ -3132,8 +3132,8 @@
         </p:nvSpPr>
         <p:spPr>
           <a:xfrm>
-            <a:off x="311760" y="744480"/>
-            <a:ext cx="8519400" cy="2051640"/>
+            <a:off x="457200" y="205200"/>
+            <a:ext cx="8229240" cy="858600"/>
           </a:xfrm>
           <a:prstGeom prst="rect">
             <a:avLst/>
@@ -3159,8 +3159,8 @@
         </p:nvSpPr>
         <p:spPr>
           <a:xfrm>
-            <a:off x="311760" y="2834280"/>
-            <a:ext cx="4157280" cy="377280"/>
+            <a:off x="457200" y="1203480"/>
+            <a:ext cx="4015800" cy="1422720"/>
           </a:xfrm>
           <a:prstGeom prst="rect">
             <a:avLst/>
@@ -3185,8 +3185,8 @@
         </p:nvSpPr>
         <p:spPr>
           <a:xfrm>
-            <a:off x="311760" y="3247920"/>
-            <a:ext cx="4157280" cy="377280"/>
+            <a:off x="457200" y="2761920"/>
+            <a:ext cx="4015800" cy="1422720"/>
           </a:xfrm>
           <a:prstGeom prst="rect">
             <a:avLst/>
@@ -3211,8 +3211,8 @@
         </p:nvSpPr>
         <p:spPr>
           <a:xfrm>
-            <a:off x="4677120" y="2834280"/>
-            <a:ext cx="4157280" cy="791640"/>
+            <a:off x="4674240" y="1203480"/>
+            <a:ext cx="4015800" cy="2982960"/>
           </a:xfrm>
           <a:prstGeom prst="rect">
             <a:avLst/>
@@ -3259,8 +3259,8 @@
         </p:nvSpPr>
         <p:spPr>
           <a:xfrm>
-            <a:off x="311760" y="744480"/>
-            <a:ext cx="8519400" cy="2051640"/>
+            <a:off x="457200" y="205200"/>
+            <a:ext cx="8229240" cy="858600"/>
           </a:xfrm>
           <a:prstGeom prst="rect">
             <a:avLst/>
@@ -3286,8 +3286,8 @@
         </p:nvSpPr>
         <p:spPr>
           <a:xfrm>
-            <a:off x="311760" y="2834280"/>
-            <a:ext cx="4157280" cy="791640"/>
+            <a:off x="457200" y="1203480"/>
+            <a:ext cx="4015800" cy="2982960"/>
           </a:xfrm>
           <a:prstGeom prst="rect">
             <a:avLst/>
@@ -3312,8 +3312,8 @@
         </p:nvSpPr>
         <p:spPr>
           <a:xfrm>
-            <a:off x="4677120" y="2834280"/>
-            <a:ext cx="4157280" cy="377280"/>
+            <a:off x="4674240" y="1203480"/>
+            <a:ext cx="4015800" cy="1422720"/>
           </a:xfrm>
           <a:prstGeom prst="rect">
             <a:avLst/>
@@ -3338,8 +3338,8 @@
         </p:nvSpPr>
         <p:spPr>
           <a:xfrm>
-            <a:off x="4677120" y="3247920"/>
-            <a:ext cx="4157280" cy="377280"/>
+            <a:off x="4674240" y="2761920"/>
+            <a:ext cx="4015800" cy="1422720"/>
           </a:xfrm>
           <a:prstGeom prst="rect">
             <a:avLst/>
@@ -3386,8 +3386,8 @@
         </p:nvSpPr>
         <p:spPr>
           <a:xfrm>
-            <a:off x="311760" y="744480"/>
-            <a:ext cx="8519400" cy="2051640"/>
+            <a:off x="457200" y="205200"/>
+            <a:ext cx="8229240" cy="858600"/>
           </a:xfrm>
           <a:prstGeom prst="rect">
             <a:avLst/>
@@ -3413,8 +3413,8 @@
         </p:nvSpPr>
         <p:spPr>
           <a:xfrm>
-            <a:off x="311760" y="2834280"/>
-            <a:ext cx="4157280" cy="377280"/>
+            <a:off x="457200" y="1203480"/>
+            <a:ext cx="4015800" cy="1422720"/>
           </a:xfrm>
           <a:prstGeom prst="rect">
             <a:avLst/>
@@ -3439,8 +3439,8 @@
         </p:nvSpPr>
         <p:spPr>
           <a:xfrm>
-            <a:off x="4677120" y="2834280"/>
-            <a:ext cx="4157280" cy="377280"/>
+            <a:off x="4674240" y="1203480"/>
+            <a:ext cx="4015800" cy="1422720"/>
           </a:xfrm>
           <a:prstGeom prst="rect">
             <a:avLst/>
@@ -3465,8 +3465,8 @@
         </p:nvSpPr>
         <p:spPr>
           <a:xfrm>
-            <a:off x="311760" y="3247920"/>
-            <a:ext cx="8519400" cy="377280"/>
+            <a:off x="457200" y="2761920"/>
+            <a:ext cx="8229240" cy="1422720"/>
           </a:xfrm>
           <a:prstGeom prst="rect">
             <a:avLst/>
@@ -3718,8 +3718,8 @@
         </p:nvSpPr>
         <p:spPr>
           <a:xfrm>
-            <a:off x="311760" y="744480"/>
-            <a:ext cx="8519400" cy="2051640"/>
+            <a:off x="457200" y="205200"/>
+            <a:ext cx="8229240" cy="858600"/>
           </a:xfrm>
           <a:prstGeom prst="rect">
             <a:avLst/>
@@ -3729,6 +3729,12 @@
           <a:bodyPr lIns="0" rIns="0" tIns="0" bIns="0" anchor="ctr"/>
           <a:p>
             <a:pPr algn="ctr"/>
+            <a:r>
+              <a:rPr lang="en-US" sz="4400">
+                <a:latin typeface="Arial"/>
+              </a:rPr>
+              <a:t>Click to edit the title text format</a:t>
+            </a:r>
             <a:endParaRPr/>
           </a:p>
         </p:txBody>
@@ -3745,8 +3751,8 @@
         </p:nvSpPr>
         <p:spPr>
           <a:xfrm>
-            <a:off x="311760" y="2834280"/>
-            <a:ext cx="8519400" cy="791640"/>
+            <a:off x="457200" y="1203480"/>
+            <a:ext cx="8229240" cy="2982960"/>
           </a:xfrm>
           <a:prstGeom prst="rect">
             <a:avLst/>
@@ -3761,7 +3767,7 @@
               <a:buChar char=""/>
             </a:pPr>
             <a:r>
-              <a:rPr lang="en-US">
+              <a:rPr lang="en-US" sz="3200">
                 <a:latin typeface="Arial"/>
               </a:rPr>
               <a:t>Click to edit the outline text format</a:t>
@@ -3775,7 +3781,7 @@
               <a:buChar char=""/>
             </a:pPr>
             <a:r>
-              <a:rPr lang="en-US">
+              <a:rPr lang="en-US" sz="2800">
                 <a:latin typeface="Arial"/>
               </a:rPr>
               <a:t>Second Outline Level</a:t>
@@ -3789,7 +3795,7 @@
               <a:buChar char=""/>
             </a:pPr>
             <a:r>
-              <a:rPr lang="en-US">
+              <a:rPr lang="en-US" sz="2400">
                 <a:latin typeface="Arial"/>
               </a:rPr>
               <a:t>Third Outline Level</a:t>
@@ -3803,7 +3809,7 @@
               <a:buChar char=""/>
             </a:pPr>
             <a:r>
-              <a:rPr lang="en-US">
+              <a:rPr lang="en-US" sz="2000">
                 <a:latin typeface="Arial"/>
               </a:rPr>
               <a:t>Fourth Outline Level</a:t>
@@ -3817,7 +3823,7 @@
               <a:buChar char=""/>
             </a:pPr>
             <a:r>
-              <a:rPr lang="en-US">
+              <a:rPr lang="en-US" sz="2000">
                 <a:latin typeface="Arial"/>
               </a:rPr>
               <a:t>Fifth Outline Level</a:t>
@@ -3831,7 +3837,7 @@
               <a:buChar char=""/>
             </a:pPr>
             <a:r>
-              <a:rPr lang="en-US">
+              <a:rPr lang="en-US" sz="2000">
                 <a:latin typeface="Arial"/>
               </a:rPr>
               <a:t>Sixth Outline Level</a:t>
@@ -3845,7 +3851,7 @@
               <a:buChar char=""/>
             </a:pPr>
             <a:r>
-              <a:rPr lang="en-US">
+              <a:rPr lang="en-US" sz="2000">
                 <a:latin typeface="Arial"/>
               </a:rPr>
               <a:t>Seventh Outline Level</a:t>
@@ -4098,7 +4104,7 @@
         <p:spPr>
           <a:xfrm>
             <a:off x="3197880" y="1197720"/>
-            <a:ext cx="2747160" cy="2747160"/>
+            <a:ext cx="2746800" cy="2746800"/>
           </a:xfrm>
           <a:prstGeom prst="ellipse">
             <a:avLst/>
@@ -4129,7 +4135,7 @@
         <p:spPr>
           <a:xfrm>
             <a:off x="7084080" y="1981440"/>
-            <a:ext cx="1186920" cy="1179360"/>
+            <a:ext cx="1186560" cy="1179000"/>
           </a:xfrm>
           <a:prstGeom prst="rect">
             <a:avLst/>
@@ -4160,7 +4166,7 @@
         <p:spPr>
           <a:xfrm>
             <a:off x="4236480" y="617400"/>
-            <a:ext cx="669960" cy="455040"/>
+            <a:ext cx="669600" cy="454680"/>
           </a:xfrm>
           <a:prstGeom prst="rect">
             <a:avLst/>
@@ -4207,7 +4213,7 @@
         <p:spPr>
           <a:xfrm>
             <a:off x="3928320" y="1931040"/>
-            <a:ext cx="272520" cy="272520"/>
+            <a:ext cx="272160" cy="272160"/>
           </a:xfrm>
           <a:prstGeom prst="rect">
             <a:avLst/>
@@ -4238,7 +4244,7 @@
         <p:spPr>
           <a:xfrm>
             <a:off x="3928320" y="2204640"/>
-            <a:ext cx="272520" cy="272520"/>
+            <a:ext cx="272160" cy="272160"/>
           </a:xfrm>
           <a:prstGeom prst="rect">
             <a:avLst/>
@@ -4269,7 +4275,7 @@
         <p:spPr>
           <a:xfrm>
             <a:off x="3928320" y="2478240"/>
-            <a:ext cx="272520" cy="272520"/>
+            <a:ext cx="272160" cy="272160"/>
           </a:xfrm>
           <a:prstGeom prst="rect">
             <a:avLst/>
@@ -4300,7 +4306,7 @@
         <p:spPr>
           <a:xfrm>
             <a:off x="3928320" y="2751840"/>
-            <a:ext cx="272520" cy="272520"/>
+            <a:ext cx="272160" cy="272160"/>
           </a:xfrm>
           <a:prstGeom prst="rect">
             <a:avLst/>
@@ -4331,7 +4337,7 @@
         <p:spPr>
           <a:xfrm>
             <a:off x="3928320" y="3021480"/>
-            <a:ext cx="272520" cy="288000"/>
+            <a:ext cx="272160" cy="287640"/>
           </a:xfrm>
           <a:prstGeom prst="rect">
             <a:avLst/>
@@ -4362,7 +4368,7 @@
         <p:spPr>
           <a:xfrm>
             <a:off x="3928320" y="3310920"/>
-            <a:ext cx="272520" cy="288000"/>
+            <a:ext cx="272160" cy="287640"/>
           </a:xfrm>
           <a:prstGeom prst="rect">
             <a:avLst/>
@@ -4393,7 +4399,7 @@
         <p:spPr>
           <a:xfrm>
             <a:off x="4907520" y="1931040"/>
-            <a:ext cx="272520" cy="272520"/>
+            <a:ext cx="272160" cy="272160"/>
           </a:xfrm>
           <a:prstGeom prst="rect">
             <a:avLst/>
@@ -4424,7 +4430,7 @@
         <p:spPr>
           <a:xfrm>
             <a:off x="4907520" y="2204640"/>
-            <a:ext cx="272520" cy="272520"/>
+            <a:ext cx="272160" cy="272160"/>
           </a:xfrm>
           <a:prstGeom prst="rect">
             <a:avLst/>
@@ -4455,7 +4461,7 @@
         <p:spPr>
           <a:xfrm>
             <a:off x="4907520" y="2478240"/>
-            <a:ext cx="272520" cy="272520"/>
+            <a:ext cx="272160" cy="272160"/>
           </a:xfrm>
           <a:prstGeom prst="rect">
             <a:avLst/>
@@ -4486,7 +4492,7 @@
         <p:spPr>
           <a:xfrm>
             <a:off x="4907520" y="2751840"/>
-            <a:ext cx="272520" cy="272520"/>
+            <a:ext cx="272160" cy="272160"/>
           </a:xfrm>
           <a:prstGeom prst="rect">
             <a:avLst/>
@@ -4517,7 +4523,7 @@
         <p:spPr>
           <a:xfrm>
             <a:off x="4907520" y="3021480"/>
-            <a:ext cx="272520" cy="288000"/>
+            <a:ext cx="272160" cy="287640"/>
           </a:xfrm>
           <a:prstGeom prst="rect">
             <a:avLst/>
@@ -4548,7 +4554,7 @@
         <p:spPr>
           <a:xfrm>
             <a:off x="4907520" y="3310920"/>
-            <a:ext cx="272520" cy="288000"/>
+            <a:ext cx="272160" cy="287640"/>
           </a:xfrm>
           <a:prstGeom prst="rect">
             <a:avLst/>
@@ -4579,7 +4585,7 @@
         <p:spPr>
           <a:xfrm>
             <a:off x="3605040" y="1473120"/>
-            <a:ext cx="918720" cy="518400"/>
+            <a:ext cx="918360" cy="518040"/>
           </a:xfrm>
           <a:prstGeom prst="rect">
             <a:avLst/>
@@ -4644,7 +4650,7 @@
         <p:spPr>
           <a:xfrm>
             <a:off x="4822920" y="1525320"/>
-            <a:ext cx="441720" cy="337680"/>
+            <a:ext cx="441360" cy="337320"/>
           </a:xfrm>
           <a:prstGeom prst="rect">
             <a:avLst/>
@@ -4691,7 +4697,7 @@
         <p:spPr>
           <a:xfrm>
             <a:off x="7144200" y="2228760"/>
-            <a:ext cx="1067040" cy="792000"/>
+            <a:ext cx="1066680" cy="791640"/>
           </a:xfrm>
           <a:prstGeom prst="rect">
             <a:avLst/>
@@ -4738,7 +4744,7 @@
         <p:spPr>
           <a:xfrm>
             <a:off x="3892320" y="1945440"/>
-            <a:ext cx="344160" cy="243720"/>
+            <a:ext cx="343800" cy="243360"/>
           </a:xfrm>
           <a:prstGeom prst="rect">
             <a:avLst/>
@@ -4785,7 +4791,7 @@
         <p:spPr>
           <a:xfrm>
             <a:off x="3892320" y="2219040"/>
-            <a:ext cx="344160" cy="243720"/>
+            <a:ext cx="343800" cy="243360"/>
           </a:xfrm>
           <a:prstGeom prst="rect">
             <a:avLst/>
@@ -4832,7 +4838,7 @@
         <p:spPr>
           <a:xfrm>
             <a:off x="3892320" y="2485440"/>
-            <a:ext cx="344160" cy="243720"/>
+            <a:ext cx="343800" cy="243360"/>
           </a:xfrm>
           <a:prstGeom prst="rect">
             <a:avLst/>
@@ -4879,7 +4885,7 @@
         <p:spPr>
           <a:xfrm>
             <a:off x="1251000" y="540360"/>
-            <a:ext cx="441720" cy="441720"/>
+            <a:ext cx="441360" cy="441360"/>
           </a:xfrm>
           <a:prstGeom prst="rect">
             <a:avLst/>
@@ -4910,7 +4916,7 @@
         <p:spPr>
           <a:xfrm>
             <a:off x="1283760" y="617760"/>
-            <a:ext cx="376200" cy="287640"/>
+            <a:ext cx="375840" cy="287280"/>
           </a:xfrm>
           <a:prstGeom prst="rect">
             <a:avLst/>
@@ -4957,7 +4963,7 @@
         <p:spPr>
           <a:xfrm>
             <a:off x="1251000" y="1057680"/>
-            <a:ext cx="441720" cy="441720"/>
+            <a:ext cx="441360" cy="441360"/>
           </a:xfrm>
           <a:prstGeom prst="rect">
             <a:avLst/>
@@ -4988,7 +4994,7 @@
         <p:spPr>
           <a:xfrm>
             <a:off x="1283760" y="1134720"/>
-            <a:ext cx="376200" cy="287640"/>
+            <a:ext cx="375840" cy="287280"/>
           </a:xfrm>
           <a:prstGeom prst="rect">
             <a:avLst/>
@@ -5035,7 +5041,7 @@
         <p:spPr>
           <a:xfrm>
             <a:off x="1251000" y="1574640"/>
-            <a:ext cx="441720" cy="441720"/>
+            <a:ext cx="441360" cy="441360"/>
           </a:xfrm>
           <a:prstGeom prst="rect">
             <a:avLst/>
@@ -5066,7 +5072,7 @@
         <p:spPr>
           <a:xfrm>
             <a:off x="1283760" y="1651680"/>
-            <a:ext cx="376200" cy="287640"/>
+            <a:ext cx="375840" cy="287280"/>
           </a:xfrm>
           <a:prstGeom prst="rect">
             <a:avLst/>
@@ -5113,7 +5119,7 @@
         <p:spPr>
           <a:xfrm>
             <a:off x="1251000" y="2091960"/>
-            <a:ext cx="441720" cy="441720"/>
+            <a:ext cx="441360" cy="441360"/>
           </a:xfrm>
           <a:prstGeom prst="rect">
             <a:avLst/>
@@ -5144,7 +5150,7 @@
         <p:spPr>
           <a:xfrm>
             <a:off x="1283760" y="2169000"/>
-            <a:ext cx="376200" cy="287640"/>
+            <a:ext cx="375840" cy="287280"/>
           </a:xfrm>
           <a:prstGeom prst="rect">
             <a:avLst/>
@@ -5191,7 +5197,7 @@
         <p:spPr>
           <a:xfrm>
             <a:off x="1251000" y="2608920"/>
-            <a:ext cx="441720" cy="441720"/>
+            <a:ext cx="441360" cy="441360"/>
           </a:xfrm>
           <a:prstGeom prst="rect">
             <a:avLst/>
@@ -5222,7 +5228,7 @@
         <p:spPr>
           <a:xfrm>
             <a:off x="1283760" y="2685960"/>
-            <a:ext cx="376200" cy="287640"/>
+            <a:ext cx="375840" cy="287280"/>
           </a:xfrm>
           <a:prstGeom prst="rect">
             <a:avLst/>
@@ -5269,7 +5275,7 @@
         <p:spPr>
           <a:xfrm>
             <a:off x="1251000" y="3125880"/>
-            <a:ext cx="441720" cy="441720"/>
+            <a:ext cx="441360" cy="441360"/>
           </a:xfrm>
           <a:prstGeom prst="rect">
             <a:avLst/>
@@ -5300,7 +5306,7 @@
         <p:spPr>
           <a:xfrm>
             <a:off x="1283760" y="3202920"/>
-            <a:ext cx="376200" cy="287640"/>
+            <a:ext cx="375840" cy="287280"/>
           </a:xfrm>
           <a:prstGeom prst="rect">
             <a:avLst/>
@@ -5347,7 +5353,7 @@
         <p:spPr>
           <a:xfrm>
             <a:off x="1251000" y="3643200"/>
-            <a:ext cx="441720" cy="441720"/>
+            <a:ext cx="441360" cy="441360"/>
           </a:xfrm>
           <a:prstGeom prst="rect">
             <a:avLst/>
@@ -5378,7 +5384,7 @@
         <p:spPr>
           <a:xfrm>
             <a:off x="1283760" y="3720240"/>
-            <a:ext cx="376200" cy="287640"/>
+            <a:ext cx="375840" cy="287280"/>
           </a:xfrm>
           <a:prstGeom prst="rect">
             <a:avLst/>
@@ -5425,7 +5431,7 @@
         <p:spPr>
           <a:xfrm>
             <a:off x="1251000" y="4160160"/>
-            <a:ext cx="441720" cy="441720"/>
+            <a:ext cx="441360" cy="441360"/>
           </a:xfrm>
           <a:prstGeom prst="rect">
             <a:avLst/>
@@ -5456,7 +5462,7 @@
         <p:spPr>
           <a:xfrm>
             <a:off x="1283760" y="4237200"/>
-            <a:ext cx="376200" cy="287640"/>
+            <a:ext cx="375840" cy="287280"/>
           </a:xfrm>
           <a:prstGeom prst="rect">
             <a:avLst/>
@@ -5503,7 +5509,7 @@
         <p:spPr>
           <a:xfrm>
             <a:off x="3892320" y="2772000"/>
-            <a:ext cx="344160" cy="243720"/>
+            <a:ext cx="343800" cy="243360"/>
           </a:xfrm>
           <a:prstGeom prst="rect">
             <a:avLst/>
@@ -5550,7 +5556,7 @@
         <p:spPr>
           <a:xfrm>
             <a:off x="4871880" y="1949040"/>
-            <a:ext cx="344160" cy="243720"/>
+            <a:ext cx="343800" cy="243360"/>
           </a:xfrm>
           <a:prstGeom prst="rect">
             <a:avLst/>
@@ -5597,7 +5603,7 @@
         <p:spPr>
           <a:xfrm>
             <a:off x="4871880" y="2222640"/>
-            <a:ext cx="344160" cy="243720"/>
+            <a:ext cx="343800" cy="243360"/>
           </a:xfrm>
           <a:prstGeom prst="rect">
             <a:avLst/>
@@ -5644,7 +5650,7 @@
         <p:spPr>
           <a:xfrm>
             <a:off x="4871880" y="2489040"/>
-            <a:ext cx="344160" cy="243720"/>
+            <a:ext cx="343800" cy="243360"/>
           </a:xfrm>
           <a:prstGeom prst="rect">
             <a:avLst/>
@@ -5691,7 +5697,7 @@
         <p:spPr>
           <a:xfrm>
             <a:off x="1693800" y="761760"/>
-            <a:ext cx="539640" cy="360"/>
+            <a:ext cx="539280" cy="360"/>
           </a:xfrm>
           <a:prstGeom prst="straightConnector1">
             <a:avLst/>
@@ -5719,8 +5725,8 @@
         </p:nvSpPr>
         <p:spPr>
           <a:xfrm rot="10800000">
-            <a:off x="2234520" y="4382280"/>
-            <a:ext cx="360" cy="3620160"/>
+            <a:off x="2233080" y="4381560"/>
+            <a:ext cx="360" cy="3619800"/>
           </a:xfrm>
           <a:prstGeom prst="straightConnector1">
             <a:avLst/>
@@ -5749,7 +5755,7 @@
         <p:spPr>
           <a:xfrm>
             <a:off x="1690560" y="4381560"/>
-            <a:ext cx="542880" cy="360"/>
+            <a:ext cx="542520" cy="360"/>
           </a:xfrm>
           <a:prstGeom prst="straightConnector1">
             <a:avLst/>
@@ -5778,7 +5784,7 @@
         <p:spPr>
           <a:xfrm>
             <a:off x="1693800" y="1279080"/>
-            <a:ext cx="539640" cy="360"/>
+            <a:ext cx="539280" cy="360"/>
           </a:xfrm>
           <a:prstGeom prst="straightConnector1">
             <a:avLst/>
@@ -5807,7 +5813,7 @@
         <p:spPr>
           <a:xfrm>
             <a:off x="1693800" y="1796040"/>
-            <a:ext cx="539640" cy="360"/>
+            <a:ext cx="539280" cy="360"/>
           </a:xfrm>
           <a:prstGeom prst="straightConnector1">
             <a:avLst/>
@@ -5836,7 +5842,7 @@
         <p:spPr>
           <a:xfrm>
             <a:off x="1702440" y="2313360"/>
-            <a:ext cx="539640" cy="360"/>
+            <a:ext cx="539280" cy="360"/>
           </a:xfrm>
           <a:prstGeom prst="straightConnector1">
             <a:avLst/>
@@ -5865,7 +5871,7 @@
         <p:spPr>
           <a:xfrm>
             <a:off x="1702440" y="2830320"/>
-            <a:ext cx="539640" cy="360"/>
+            <a:ext cx="539280" cy="360"/>
           </a:xfrm>
           <a:prstGeom prst="straightConnector1">
             <a:avLst/>
@@ -5894,7 +5900,7 @@
         <p:spPr>
           <a:xfrm>
             <a:off x="1702440" y="3310920"/>
-            <a:ext cx="539640" cy="360"/>
+            <a:ext cx="539280" cy="360"/>
           </a:xfrm>
           <a:prstGeom prst="straightConnector1">
             <a:avLst/>
@@ -5923,7 +5929,7 @@
         <p:spPr>
           <a:xfrm>
             <a:off x="1702440" y="3864600"/>
-            <a:ext cx="539640" cy="360"/>
+            <a:ext cx="539280" cy="360"/>
           </a:xfrm>
           <a:prstGeom prst="straightConnector1">
             <a:avLst/>
@@ -5952,7 +5958,7 @@
         <p:spPr>
           <a:xfrm>
             <a:off x="5946120" y="2571840"/>
-            <a:ext cx="1136880" cy="360"/>
+            <a:ext cx="1136520" cy="360"/>
           </a:xfrm>
           <a:prstGeom prst="straightConnector1">
             <a:avLst/>
@@ -5981,7 +5987,7 @@
         <p:spPr>
           <a:xfrm>
             <a:off x="3627720" y="79200"/>
-            <a:ext cx="1887840" cy="287640"/>
+            <a:ext cx="1887480" cy="287280"/>
           </a:xfrm>
           <a:prstGeom prst="rect">
             <a:avLst/>
@@ -6028,7 +6034,7 @@
         <p:spPr>
           <a:xfrm>
             <a:off x="2240280" y="2571840"/>
-            <a:ext cx="956160" cy="360"/>
+            <a:ext cx="955800" cy="360"/>
           </a:xfrm>
           <a:prstGeom prst="straightConnector1">
             <a:avLst/>
@@ -6057,7 +6063,7 @@
         <p:spPr>
           <a:xfrm>
             <a:off x="3892320" y="3041280"/>
-            <a:ext cx="344160" cy="243720"/>
+            <a:ext cx="343800" cy="243360"/>
           </a:xfrm>
           <a:prstGeom prst="rect">
             <a:avLst/>
@@ -6104,7 +6110,7 @@
         <p:spPr>
           <a:xfrm>
             <a:off x="2190240" y="2313000"/>
-            <a:ext cx="1067040" cy="165240"/>
+            <a:ext cx="1066680" cy="164880"/>
           </a:xfrm>
           <a:prstGeom prst="rect">
             <a:avLst/>
@@ -6151,7 +6157,7 @@
         <p:spPr>
           <a:xfrm>
             <a:off x="5968440" y="2313000"/>
-            <a:ext cx="1067040" cy="165240"/>
+            <a:ext cx="1066680" cy="164880"/>
           </a:xfrm>
           <a:prstGeom prst="rect">
             <a:avLst/>
@@ -6250,7 +6256,7 @@
         <p:spPr>
           <a:xfrm>
             <a:off x="311760" y="67680"/>
-            <a:ext cx="8519400" cy="571680"/>
+            <a:ext cx="8519040" cy="571320"/>
           </a:xfrm>
           <a:prstGeom prst="rect">
             <a:avLst/>
@@ -6292,7 +6298,7 @@
         <p:spPr>
           <a:xfrm>
             <a:off x="311760" y="548640"/>
-            <a:ext cx="6728400" cy="3159000"/>
+            <a:ext cx="6728040" cy="3158640"/>
           </a:xfrm>
           <a:prstGeom prst="rect">
             <a:avLst/>
@@ -7246,7 +7252,7 @@
         <p:spPr>
           <a:xfrm>
             <a:off x="3197880" y="1197720"/>
-            <a:ext cx="2747160" cy="2747160"/>
+            <a:ext cx="2746800" cy="2746800"/>
           </a:xfrm>
           <a:prstGeom prst="ellipse">
             <a:avLst/>
@@ -7277,7 +7283,7 @@
         <p:spPr>
           <a:xfrm>
             <a:off x="4236480" y="617400"/>
-            <a:ext cx="669960" cy="455040"/>
+            <a:ext cx="669600" cy="454680"/>
           </a:xfrm>
           <a:prstGeom prst="rect">
             <a:avLst/>
@@ -7324,7 +7330,7 @@
         <p:spPr>
           <a:xfrm>
             <a:off x="3928320" y="1931040"/>
-            <a:ext cx="272520" cy="272520"/>
+            <a:ext cx="272160" cy="272160"/>
           </a:xfrm>
           <a:prstGeom prst="rect">
             <a:avLst/>
@@ -7355,7 +7361,7 @@
         <p:spPr>
           <a:xfrm>
             <a:off x="3928320" y="2204640"/>
-            <a:ext cx="272520" cy="272520"/>
+            <a:ext cx="272160" cy="272160"/>
           </a:xfrm>
           <a:prstGeom prst="rect">
             <a:avLst/>
@@ -7386,7 +7392,7 @@
         <p:spPr>
           <a:xfrm>
             <a:off x="3928320" y="2478240"/>
-            <a:ext cx="272520" cy="272520"/>
+            <a:ext cx="272160" cy="272160"/>
           </a:xfrm>
           <a:prstGeom prst="rect">
             <a:avLst/>
@@ -7417,7 +7423,7 @@
         <p:spPr>
           <a:xfrm>
             <a:off x="3928320" y="2751840"/>
-            <a:ext cx="272520" cy="272520"/>
+            <a:ext cx="272160" cy="272160"/>
           </a:xfrm>
           <a:prstGeom prst="rect">
             <a:avLst/>
@@ -7448,7 +7454,7 @@
         <p:spPr>
           <a:xfrm>
             <a:off x="3928320" y="3021480"/>
-            <a:ext cx="272520" cy="288000"/>
+            <a:ext cx="272160" cy="287640"/>
           </a:xfrm>
           <a:prstGeom prst="rect">
             <a:avLst/>
@@ -7479,7 +7485,7 @@
         <p:spPr>
           <a:xfrm>
             <a:off x="3928320" y="3310920"/>
-            <a:ext cx="272520" cy="288000"/>
+            <a:ext cx="272160" cy="287640"/>
           </a:xfrm>
           <a:prstGeom prst="rect">
             <a:avLst/>
@@ -7510,7 +7516,7 @@
         <p:spPr>
           <a:xfrm>
             <a:off x="4907520" y="1931040"/>
-            <a:ext cx="272520" cy="272520"/>
+            <a:ext cx="272160" cy="272160"/>
           </a:xfrm>
           <a:prstGeom prst="rect">
             <a:avLst/>
@@ -7541,7 +7547,7 @@
         <p:spPr>
           <a:xfrm>
             <a:off x="4907520" y="2204640"/>
-            <a:ext cx="272520" cy="272520"/>
+            <a:ext cx="272160" cy="272160"/>
           </a:xfrm>
           <a:prstGeom prst="rect">
             <a:avLst/>
@@ -7572,7 +7578,7 @@
         <p:spPr>
           <a:xfrm>
             <a:off x="4907520" y="2478240"/>
-            <a:ext cx="272520" cy="272520"/>
+            <a:ext cx="272160" cy="272160"/>
           </a:xfrm>
           <a:prstGeom prst="rect">
             <a:avLst/>
@@ -7603,7 +7609,7 @@
         <p:spPr>
           <a:xfrm>
             <a:off x="4907520" y="2751840"/>
-            <a:ext cx="272520" cy="272520"/>
+            <a:ext cx="272160" cy="272160"/>
           </a:xfrm>
           <a:prstGeom prst="rect">
             <a:avLst/>
@@ -7634,7 +7640,7 @@
         <p:spPr>
           <a:xfrm>
             <a:off x="4907520" y="3021480"/>
-            <a:ext cx="272520" cy="288000"/>
+            <a:ext cx="272160" cy="287640"/>
           </a:xfrm>
           <a:prstGeom prst="rect">
             <a:avLst/>
@@ -7665,7 +7671,7 @@
         <p:spPr>
           <a:xfrm>
             <a:off x="4907520" y="3310920"/>
-            <a:ext cx="272520" cy="288000"/>
+            <a:ext cx="272160" cy="287640"/>
           </a:xfrm>
           <a:prstGeom prst="rect">
             <a:avLst/>
@@ -7696,7 +7702,7 @@
         <p:spPr>
           <a:xfrm>
             <a:off x="3605040" y="1473120"/>
-            <a:ext cx="918720" cy="518400"/>
+            <a:ext cx="918360" cy="518040"/>
           </a:xfrm>
           <a:prstGeom prst="rect">
             <a:avLst/>
@@ -7761,7 +7767,7 @@
         <p:spPr>
           <a:xfrm>
             <a:off x="4822920" y="1525320"/>
-            <a:ext cx="441720" cy="337680"/>
+            <a:ext cx="441360" cy="337320"/>
           </a:xfrm>
           <a:prstGeom prst="rect">
             <a:avLst/>
@@ -7808,7 +7814,7 @@
         <p:spPr>
           <a:xfrm>
             <a:off x="3892320" y="1945440"/>
-            <a:ext cx="344160" cy="243720"/>
+            <a:ext cx="343800" cy="243360"/>
           </a:xfrm>
           <a:prstGeom prst="rect">
             <a:avLst/>
@@ -7855,7 +7861,7 @@
         <p:spPr>
           <a:xfrm>
             <a:off x="3892320" y="2219040"/>
-            <a:ext cx="344160" cy="243720"/>
+            <a:ext cx="343800" cy="243360"/>
           </a:xfrm>
           <a:prstGeom prst="rect">
             <a:avLst/>
@@ -7902,7 +7908,7 @@
         <p:spPr>
           <a:xfrm>
             <a:off x="3892320" y="2485440"/>
-            <a:ext cx="344160" cy="243720"/>
+            <a:ext cx="343800" cy="243360"/>
           </a:xfrm>
           <a:prstGeom prst="rect">
             <a:avLst/>
@@ -7949,7 +7955,7 @@
         <p:spPr>
           <a:xfrm>
             <a:off x="489240" y="540360"/>
-            <a:ext cx="441720" cy="441720"/>
+            <a:ext cx="441360" cy="441360"/>
           </a:xfrm>
           <a:prstGeom prst="rect">
             <a:avLst/>
@@ -7980,7 +7986,7 @@
         <p:spPr>
           <a:xfrm>
             <a:off x="522000" y="617760"/>
-            <a:ext cx="376200" cy="287640"/>
+            <a:ext cx="375840" cy="287280"/>
           </a:xfrm>
           <a:prstGeom prst="rect">
             <a:avLst/>
@@ -8027,7 +8033,7 @@
         <p:spPr>
           <a:xfrm>
             <a:off x="489240" y="1057680"/>
-            <a:ext cx="441720" cy="441720"/>
+            <a:ext cx="441360" cy="441360"/>
           </a:xfrm>
           <a:prstGeom prst="rect">
             <a:avLst/>
@@ -8058,7 +8064,7 @@
         <p:spPr>
           <a:xfrm>
             <a:off x="522000" y="1134720"/>
-            <a:ext cx="376200" cy="287640"/>
+            <a:ext cx="375840" cy="287280"/>
           </a:xfrm>
           <a:prstGeom prst="rect">
             <a:avLst/>
@@ -8105,7 +8111,7 @@
         <p:spPr>
           <a:xfrm>
             <a:off x="489240" y="1574640"/>
-            <a:ext cx="441720" cy="441720"/>
+            <a:ext cx="441360" cy="441360"/>
           </a:xfrm>
           <a:prstGeom prst="rect">
             <a:avLst/>
@@ -8136,7 +8142,7 @@
         <p:spPr>
           <a:xfrm>
             <a:off x="522000" y="1651680"/>
-            <a:ext cx="376200" cy="287640"/>
+            <a:ext cx="375840" cy="287280"/>
           </a:xfrm>
           <a:prstGeom prst="rect">
             <a:avLst/>
@@ -8183,7 +8189,7 @@
         <p:spPr>
           <a:xfrm>
             <a:off x="489240" y="2091960"/>
-            <a:ext cx="441720" cy="441720"/>
+            <a:ext cx="441360" cy="441360"/>
           </a:xfrm>
           <a:prstGeom prst="rect">
             <a:avLst/>
@@ -8214,7 +8220,7 @@
         <p:spPr>
           <a:xfrm>
             <a:off x="522000" y="2169000"/>
-            <a:ext cx="376200" cy="287640"/>
+            <a:ext cx="375840" cy="287280"/>
           </a:xfrm>
           <a:prstGeom prst="rect">
             <a:avLst/>
@@ -8261,7 +8267,7 @@
         <p:spPr>
           <a:xfrm>
             <a:off x="489240" y="2608920"/>
-            <a:ext cx="441720" cy="441720"/>
+            <a:ext cx="441360" cy="441360"/>
           </a:xfrm>
           <a:prstGeom prst="rect">
             <a:avLst/>
@@ -8292,7 +8298,7 @@
         <p:spPr>
           <a:xfrm>
             <a:off x="522000" y="2685960"/>
-            <a:ext cx="376200" cy="287640"/>
+            <a:ext cx="375840" cy="287280"/>
           </a:xfrm>
           <a:prstGeom prst="rect">
             <a:avLst/>
@@ -8339,7 +8345,7 @@
         <p:spPr>
           <a:xfrm>
             <a:off x="489240" y="3125880"/>
-            <a:ext cx="441720" cy="441720"/>
+            <a:ext cx="441360" cy="441360"/>
           </a:xfrm>
           <a:prstGeom prst="rect">
             <a:avLst/>
@@ -8370,7 +8376,7 @@
         <p:spPr>
           <a:xfrm>
             <a:off x="522000" y="3202920"/>
-            <a:ext cx="376200" cy="287640"/>
+            <a:ext cx="375840" cy="287280"/>
           </a:xfrm>
           <a:prstGeom prst="rect">
             <a:avLst/>
@@ -8417,7 +8423,7 @@
         <p:spPr>
           <a:xfrm>
             <a:off x="489240" y="3643200"/>
-            <a:ext cx="441720" cy="441720"/>
+            <a:ext cx="441360" cy="441360"/>
           </a:xfrm>
           <a:prstGeom prst="rect">
             <a:avLst/>
@@ -8448,7 +8454,7 @@
         <p:spPr>
           <a:xfrm>
             <a:off x="522000" y="3720240"/>
-            <a:ext cx="376200" cy="287640"/>
+            <a:ext cx="375840" cy="287280"/>
           </a:xfrm>
           <a:prstGeom prst="rect">
             <a:avLst/>
@@ -8495,7 +8501,7 @@
         <p:spPr>
           <a:xfrm>
             <a:off x="489240" y="4160160"/>
-            <a:ext cx="441720" cy="441720"/>
+            <a:ext cx="441360" cy="441360"/>
           </a:xfrm>
           <a:prstGeom prst="rect">
             <a:avLst/>
@@ -8526,7 +8532,7 @@
         <p:spPr>
           <a:xfrm>
             <a:off x="522000" y="4237200"/>
-            <a:ext cx="376200" cy="287640"/>
+            <a:ext cx="375840" cy="287280"/>
           </a:xfrm>
           <a:prstGeom prst="rect">
             <a:avLst/>
@@ -8573,7 +8579,7 @@
         <p:spPr>
           <a:xfrm>
             <a:off x="3892320" y="2772000"/>
-            <a:ext cx="344160" cy="243720"/>
+            <a:ext cx="343800" cy="243360"/>
           </a:xfrm>
           <a:prstGeom prst="rect">
             <a:avLst/>
@@ -8620,7 +8626,7 @@
         <p:spPr>
           <a:xfrm>
             <a:off x="4871880" y="1949040"/>
-            <a:ext cx="344160" cy="243720"/>
+            <a:ext cx="343800" cy="243360"/>
           </a:xfrm>
           <a:prstGeom prst="rect">
             <a:avLst/>
@@ -8667,7 +8673,7 @@
         <p:spPr>
           <a:xfrm>
             <a:off x="4822920" y="2224440"/>
-            <a:ext cx="441720" cy="243720"/>
+            <a:ext cx="441360" cy="243360"/>
           </a:xfrm>
           <a:prstGeom prst="rect">
             <a:avLst/>
@@ -8714,7 +8720,7 @@
         <p:spPr>
           <a:xfrm>
             <a:off x="4871880" y="2489040"/>
-            <a:ext cx="344160" cy="243720"/>
+            <a:ext cx="343800" cy="243360"/>
           </a:xfrm>
           <a:prstGeom prst="rect">
             <a:avLst/>
@@ -8761,7 +8767,7 @@
         <p:spPr>
           <a:xfrm>
             <a:off x="932040" y="761760"/>
-            <a:ext cx="539640" cy="360"/>
+            <a:ext cx="539280" cy="360"/>
           </a:xfrm>
           <a:prstGeom prst="straightConnector1">
             <a:avLst/>
@@ -8789,8 +8795,8 @@
         </p:nvSpPr>
         <p:spPr>
           <a:xfrm rot="10800000">
-            <a:off x="1471320" y="4381560"/>
-            <a:ext cx="360" cy="3620160"/>
+            <a:off x="1472040" y="4381560"/>
+            <a:ext cx="360" cy="3619800"/>
           </a:xfrm>
           <a:prstGeom prst="straightConnector1">
             <a:avLst/>
@@ -8819,7 +8825,7 @@
         <p:spPr>
           <a:xfrm>
             <a:off x="928440" y="4381560"/>
-            <a:ext cx="542880" cy="360"/>
+            <a:ext cx="542520" cy="360"/>
           </a:xfrm>
           <a:prstGeom prst="straightConnector1">
             <a:avLst/>
@@ -8848,7 +8854,7 @@
         <p:spPr>
           <a:xfrm>
             <a:off x="932040" y="1279080"/>
-            <a:ext cx="539640" cy="360"/>
+            <a:ext cx="539280" cy="360"/>
           </a:xfrm>
           <a:prstGeom prst="straightConnector1">
             <a:avLst/>
@@ -8877,7 +8883,7 @@
         <p:spPr>
           <a:xfrm>
             <a:off x="932040" y="1796040"/>
-            <a:ext cx="539640" cy="360"/>
+            <a:ext cx="539280" cy="360"/>
           </a:xfrm>
           <a:prstGeom prst="straightConnector1">
             <a:avLst/>
@@ -8906,7 +8912,7 @@
         <p:spPr>
           <a:xfrm>
             <a:off x="940320" y="2313360"/>
-            <a:ext cx="539640" cy="360"/>
+            <a:ext cx="539280" cy="360"/>
           </a:xfrm>
           <a:prstGeom prst="straightConnector1">
             <a:avLst/>
@@ -8935,7 +8941,7 @@
         <p:spPr>
           <a:xfrm>
             <a:off x="940320" y="2830320"/>
-            <a:ext cx="539640" cy="360"/>
+            <a:ext cx="539280" cy="360"/>
           </a:xfrm>
           <a:prstGeom prst="straightConnector1">
             <a:avLst/>
@@ -8964,7 +8970,7 @@
         <p:spPr>
           <a:xfrm>
             <a:off x="940320" y="3310920"/>
-            <a:ext cx="539640" cy="360"/>
+            <a:ext cx="539280" cy="360"/>
           </a:xfrm>
           <a:prstGeom prst="straightConnector1">
             <a:avLst/>
@@ -8993,7 +8999,7 @@
         <p:spPr>
           <a:xfrm>
             <a:off x="940320" y="3864600"/>
-            <a:ext cx="539640" cy="360"/>
+            <a:ext cx="539280" cy="360"/>
           </a:xfrm>
           <a:prstGeom prst="straightConnector1">
             <a:avLst/>
@@ -9022,7 +9028,7 @@
         <p:spPr>
           <a:xfrm>
             <a:off x="2651760" y="79200"/>
-            <a:ext cx="3748320" cy="287640"/>
+            <a:ext cx="3747960" cy="287280"/>
           </a:xfrm>
           <a:prstGeom prst="rect">
             <a:avLst/>
@@ -9087,7 +9093,7 @@
         <p:spPr>
           <a:xfrm>
             <a:off x="1478160" y="2571840"/>
-            <a:ext cx="1718640" cy="360"/>
+            <a:ext cx="1718280" cy="360"/>
           </a:xfrm>
           <a:prstGeom prst="straightConnector1">
             <a:avLst/>
@@ -9116,7 +9122,7 @@
         <p:spPr>
           <a:xfrm>
             <a:off x="7606440" y="2019960"/>
-            <a:ext cx="1186920" cy="1179360"/>
+            <a:ext cx="1186560" cy="1179000"/>
           </a:xfrm>
           <a:prstGeom prst="rect">
             <a:avLst/>
@@ -9147,7 +9153,7 @@
         <p:spPr>
           <a:xfrm>
             <a:off x="7606440" y="578880"/>
-            <a:ext cx="1186920" cy="1179360"/>
+            <a:ext cx="1186560" cy="1179000"/>
           </a:xfrm>
           <a:prstGeom prst="rect">
             <a:avLst/>
@@ -9178,7 +9184,7 @@
         <p:spPr>
           <a:xfrm>
             <a:off x="7666560" y="1007280"/>
-            <a:ext cx="1067040" cy="337680"/>
+            <a:ext cx="1066680" cy="337320"/>
           </a:xfrm>
           <a:prstGeom prst="rect">
             <a:avLst/>
@@ -9225,7 +9231,7 @@
         <p:spPr>
           <a:xfrm>
             <a:off x="7606440" y="3384000"/>
-            <a:ext cx="1186920" cy="1179360"/>
+            <a:ext cx="1186560" cy="1179000"/>
           </a:xfrm>
           <a:prstGeom prst="rect">
             <a:avLst/>
@@ -9256,7 +9262,7 @@
         <p:spPr>
           <a:xfrm>
             <a:off x="7666560" y="3812040"/>
-            <a:ext cx="1067040" cy="337680"/>
+            <a:ext cx="1066680" cy="337320"/>
           </a:xfrm>
           <a:prstGeom prst="rect">
             <a:avLst/>
@@ -9303,7 +9309,7 @@
         <p:spPr>
           <a:xfrm>
             <a:off x="7065720" y="1169280"/>
-            <a:ext cx="539640" cy="360"/>
+            <a:ext cx="539280" cy="360"/>
           </a:xfrm>
           <a:prstGeom prst="straightConnector1">
             <a:avLst/>
@@ -9332,7 +9338,7 @@
         <p:spPr>
           <a:xfrm>
             <a:off x="5946120" y="2571840"/>
-            <a:ext cx="1643040" cy="360"/>
+            <a:ext cx="1642680" cy="360"/>
           </a:xfrm>
           <a:prstGeom prst="straightConnector1">
             <a:avLst/>
@@ -9361,7 +9367,7 @@
         <p:spPr>
           <a:xfrm>
             <a:off x="7049520" y="3981600"/>
-            <a:ext cx="539640" cy="360"/>
+            <a:ext cx="539280" cy="360"/>
           </a:xfrm>
           <a:prstGeom prst="straightConnector1">
             <a:avLst/>
@@ -9389,8 +9395,8 @@
         </p:nvSpPr>
         <p:spPr>
           <a:xfrm rot="10800000">
-            <a:off x="7066080" y="3981600"/>
-            <a:ext cx="360" cy="2812680"/>
+            <a:off x="7066800" y="3981960"/>
+            <a:ext cx="360" cy="2812320"/>
           </a:xfrm>
           <a:prstGeom prst="straightConnector1">
             <a:avLst/>
@@ -9419,7 +9425,7 @@
         <p:spPr>
           <a:xfrm>
             <a:off x="7666560" y="2182680"/>
-            <a:ext cx="1067040" cy="792000"/>
+            <a:ext cx="1066680" cy="791640"/>
           </a:xfrm>
           <a:prstGeom prst="rect">
             <a:avLst/>
@@ -9466,7 +9472,7 @@
         <p:spPr>
           <a:xfrm>
             <a:off x="1745280" y="3125880"/>
-            <a:ext cx="1186920" cy="1179360"/>
+            <a:ext cx="1186560" cy="1179000"/>
           </a:xfrm>
           <a:prstGeom prst="rect">
             <a:avLst/>
@@ -9497,7 +9503,7 @@
         <p:spPr>
           <a:xfrm>
             <a:off x="1805400" y="3554280"/>
-            <a:ext cx="1067040" cy="337680"/>
+            <a:ext cx="1066680" cy="337320"/>
           </a:xfrm>
           <a:prstGeom prst="rect">
             <a:avLst/>
@@ -9543,8 +9549,8 @@
         </p:nvSpPr>
         <p:spPr>
           <a:xfrm rot="10800000">
-            <a:off x="2339280" y="3125880"/>
-            <a:ext cx="360" cy="545760"/>
+            <a:off x="2339280" y="3117240"/>
+            <a:ext cx="360" cy="545400"/>
           </a:xfrm>
           <a:prstGeom prst="straightConnector1">
             <a:avLst/>
@@ -9573,7 +9579,7 @@
         <p:spPr>
           <a:xfrm>
             <a:off x="4871880" y="2764440"/>
-            <a:ext cx="344160" cy="243720"/>
+            <a:ext cx="343800" cy="243360"/>
           </a:xfrm>
           <a:prstGeom prst="rect">
             <a:avLst/>
@@ -9620,7 +9626,7 @@
         <p:spPr>
           <a:xfrm>
             <a:off x="1805400" y="2313000"/>
-            <a:ext cx="1067040" cy="165240"/>
+            <a:ext cx="1066680" cy="164880"/>
           </a:xfrm>
           <a:prstGeom prst="rect">
             <a:avLst/>
@@ -9667,7 +9673,7 @@
         <p:spPr>
           <a:xfrm>
             <a:off x="5968440" y="2313000"/>
-            <a:ext cx="1067040" cy="165240"/>
+            <a:ext cx="1066680" cy="164880"/>
           </a:xfrm>
           <a:prstGeom prst="rect">
             <a:avLst/>
@@ -9766,7 +9772,7 @@
         <p:spPr>
           <a:xfrm>
             <a:off x="311760" y="142200"/>
-            <a:ext cx="8519400" cy="405720"/>
+            <a:ext cx="8519040" cy="405360"/>
           </a:xfrm>
           <a:prstGeom prst="rect">
             <a:avLst/>
@@ -9808,7 +9814,7 @@
         <p:spPr>
           <a:xfrm>
             <a:off x="274320" y="446760"/>
-            <a:ext cx="8137440" cy="4182120"/>
+            <a:ext cx="8137080" cy="4181760"/>
           </a:xfrm>
           <a:prstGeom prst="rect">
             <a:avLst/>
@@ -10513,7 +10519,7 @@
         <p:spPr>
           <a:xfrm>
             <a:off x="3197880" y="1197720"/>
-            <a:ext cx="2747160" cy="2747160"/>
+            <a:ext cx="2746800" cy="2746800"/>
           </a:xfrm>
           <a:prstGeom prst="ellipse">
             <a:avLst/>
@@ -10544,7 +10550,7 @@
         <p:spPr>
           <a:xfrm>
             <a:off x="4233960" y="617400"/>
-            <a:ext cx="669960" cy="455040"/>
+            <a:ext cx="669600" cy="454680"/>
           </a:xfrm>
           <a:prstGeom prst="rect">
             <a:avLst/>
@@ -10591,7 +10597,7 @@
         <p:spPr>
           <a:xfrm>
             <a:off x="3775680" y="1931040"/>
-            <a:ext cx="272520" cy="272520"/>
+            <a:ext cx="272160" cy="272160"/>
           </a:xfrm>
           <a:prstGeom prst="rect">
             <a:avLst/>
@@ -10622,7 +10628,7 @@
         <p:spPr>
           <a:xfrm>
             <a:off x="3775680" y="2204640"/>
-            <a:ext cx="272520" cy="272520"/>
+            <a:ext cx="272160" cy="272160"/>
           </a:xfrm>
           <a:prstGeom prst="rect">
             <a:avLst/>
@@ -10653,7 +10659,7 @@
         <p:spPr>
           <a:xfrm>
             <a:off x="3775680" y="2478240"/>
-            <a:ext cx="272520" cy="272520"/>
+            <a:ext cx="272160" cy="272160"/>
           </a:xfrm>
           <a:prstGeom prst="rect">
             <a:avLst/>
@@ -10684,7 +10690,7 @@
         <p:spPr>
           <a:xfrm>
             <a:off x="3775680" y="2751840"/>
-            <a:ext cx="272520" cy="272520"/>
+            <a:ext cx="272160" cy="272160"/>
           </a:xfrm>
           <a:prstGeom prst="rect">
             <a:avLst/>
@@ -10715,7 +10721,7 @@
         <p:spPr>
           <a:xfrm>
             <a:off x="3775680" y="3021480"/>
-            <a:ext cx="272520" cy="288000"/>
+            <a:ext cx="272160" cy="287640"/>
           </a:xfrm>
           <a:prstGeom prst="rect">
             <a:avLst/>
@@ -10746,7 +10752,7 @@
         <p:spPr>
           <a:xfrm>
             <a:off x="3775680" y="3310920"/>
-            <a:ext cx="272520" cy="288000"/>
+            <a:ext cx="272160" cy="287640"/>
           </a:xfrm>
           <a:prstGeom prst="rect">
             <a:avLst/>
@@ -10777,7 +10783,7 @@
         <p:spPr>
           <a:xfrm>
             <a:off x="4435200" y="1947240"/>
-            <a:ext cx="272520" cy="272520"/>
+            <a:ext cx="272160" cy="272160"/>
           </a:xfrm>
           <a:prstGeom prst="rect">
             <a:avLst/>
@@ -10808,7 +10814,7 @@
         <p:spPr>
           <a:xfrm>
             <a:off x="4435200" y="2220840"/>
-            <a:ext cx="272520" cy="272520"/>
+            <a:ext cx="272160" cy="272160"/>
           </a:xfrm>
           <a:prstGeom prst="rect">
             <a:avLst/>
@@ -10839,7 +10845,7 @@
         <p:spPr>
           <a:xfrm>
             <a:off x="4435200" y="2494440"/>
-            <a:ext cx="272520" cy="272520"/>
+            <a:ext cx="272160" cy="272160"/>
           </a:xfrm>
           <a:prstGeom prst="rect">
             <a:avLst/>
@@ -10870,7 +10876,7 @@
         <p:spPr>
           <a:xfrm>
             <a:off x="4435200" y="2768040"/>
-            <a:ext cx="272520" cy="272520"/>
+            <a:ext cx="272160" cy="272160"/>
           </a:xfrm>
           <a:prstGeom prst="rect">
             <a:avLst/>
@@ -10901,7 +10907,7 @@
         <p:spPr>
           <a:xfrm>
             <a:off x="4435200" y="3038040"/>
-            <a:ext cx="272520" cy="288000"/>
+            <a:ext cx="272160" cy="287640"/>
           </a:xfrm>
           <a:prstGeom prst="rect">
             <a:avLst/>
@@ -10932,7 +10938,7 @@
         <p:spPr>
           <a:xfrm>
             <a:off x="4435200" y="3327120"/>
-            <a:ext cx="272520" cy="288000"/>
+            <a:ext cx="272160" cy="287640"/>
           </a:xfrm>
           <a:prstGeom prst="rect">
             <a:avLst/>
@@ -10963,7 +10969,7 @@
         <p:spPr>
           <a:xfrm>
             <a:off x="3452760" y="1473120"/>
-            <a:ext cx="918720" cy="518400"/>
+            <a:ext cx="918360" cy="518040"/>
           </a:xfrm>
           <a:prstGeom prst="rect">
             <a:avLst/>
@@ -11028,7 +11034,7 @@
         <p:spPr>
           <a:xfrm>
             <a:off x="4350600" y="1541880"/>
-            <a:ext cx="441720" cy="337680"/>
+            <a:ext cx="441360" cy="337320"/>
           </a:xfrm>
           <a:prstGeom prst="rect">
             <a:avLst/>
@@ -11075,7 +11081,7 @@
         <p:spPr>
           <a:xfrm>
             <a:off x="3740040" y="1945440"/>
-            <a:ext cx="344160" cy="243720"/>
+            <a:ext cx="343800" cy="243360"/>
           </a:xfrm>
           <a:prstGeom prst="rect">
             <a:avLst/>
@@ -11122,7 +11128,7 @@
         <p:spPr>
           <a:xfrm>
             <a:off x="3670560" y="2219040"/>
-            <a:ext cx="483120" cy="243720"/>
+            <a:ext cx="482760" cy="243360"/>
           </a:xfrm>
           <a:prstGeom prst="rect">
             <a:avLst/>
@@ -11169,7 +11175,7 @@
         <p:spPr>
           <a:xfrm>
             <a:off x="3740040" y="2485440"/>
-            <a:ext cx="344160" cy="243720"/>
+            <a:ext cx="343800" cy="243360"/>
           </a:xfrm>
           <a:prstGeom prst="rect">
             <a:avLst/>
@@ -11216,7 +11222,7 @@
         <p:spPr>
           <a:xfrm>
             <a:off x="968400" y="540360"/>
-            <a:ext cx="441720" cy="441720"/>
+            <a:ext cx="441360" cy="441360"/>
           </a:xfrm>
           <a:prstGeom prst="rect">
             <a:avLst/>
@@ -11247,7 +11253,7 @@
         <p:spPr>
           <a:xfrm>
             <a:off x="1001160" y="617760"/>
-            <a:ext cx="376200" cy="287640"/>
+            <a:ext cx="375840" cy="287280"/>
           </a:xfrm>
           <a:prstGeom prst="rect">
             <a:avLst/>
@@ -11294,7 +11300,7 @@
         <p:spPr>
           <a:xfrm>
             <a:off x="968400" y="1057680"/>
-            <a:ext cx="441720" cy="441720"/>
+            <a:ext cx="441360" cy="441360"/>
           </a:xfrm>
           <a:prstGeom prst="rect">
             <a:avLst/>
@@ -11325,7 +11331,7 @@
         <p:spPr>
           <a:xfrm>
             <a:off x="1001160" y="1134720"/>
-            <a:ext cx="376200" cy="287640"/>
+            <a:ext cx="375840" cy="287280"/>
           </a:xfrm>
           <a:prstGeom prst="rect">
             <a:avLst/>
@@ -11372,7 +11378,7 @@
         <p:spPr>
           <a:xfrm>
             <a:off x="968400" y="1574640"/>
-            <a:ext cx="441720" cy="441720"/>
+            <a:ext cx="441360" cy="441360"/>
           </a:xfrm>
           <a:prstGeom prst="rect">
             <a:avLst/>
@@ -11403,7 +11409,7 @@
         <p:spPr>
           <a:xfrm>
             <a:off x="1001160" y="1651680"/>
-            <a:ext cx="376200" cy="287640"/>
+            <a:ext cx="375840" cy="287280"/>
           </a:xfrm>
           <a:prstGeom prst="rect">
             <a:avLst/>
@@ -11450,7 +11456,7 @@
         <p:spPr>
           <a:xfrm>
             <a:off x="968400" y="2091960"/>
-            <a:ext cx="441720" cy="441720"/>
+            <a:ext cx="441360" cy="441360"/>
           </a:xfrm>
           <a:prstGeom prst="rect">
             <a:avLst/>
@@ -11481,7 +11487,7 @@
         <p:spPr>
           <a:xfrm>
             <a:off x="1001160" y="2169000"/>
-            <a:ext cx="376200" cy="287640"/>
+            <a:ext cx="375840" cy="287280"/>
           </a:xfrm>
           <a:prstGeom prst="rect">
             <a:avLst/>
@@ -11528,7 +11534,7 @@
         <p:spPr>
           <a:xfrm>
             <a:off x="968400" y="2608920"/>
-            <a:ext cx="441720" cy="441720"/>
+            <a:ext cx="441360" cy="441360"/>
           </a:xfrm>
           <a:prstGeom prst="rect">
             <a:avLst/>
@@ -11559,7 +11565,7 @@
         <p:spPr>
           <a:xfrm>
             <a:off x="1001160" y="2685960"/>
-            <a:ext cx="376200" cy="287640"/>
+            <a:ext cx="375840" cy="287280"/>
           </a:xfrm>
           <a:prstGeom prst="rect">
             <a:avLst/>
@@ -11606,7 +11612,7 @@
         <p:spPr>
           <a:xfrm>
             <a:off x="968400" y="3125880"/>
-            <a:ext cx="441720" cy="441720"/>
+            <a:ext cx="441360" cy="441360"/>
           </a:xfrm>
           <a:prstGeom prst="rect">
             <a:avLst/>
@@ -11637,7 +11643,7 @@
         <p:spPr>
           <a:xfrm>
             <a:off x="1001160" y="3202920"/>
-            <a:ext cx="376200" cy="287640"/>
+            <a:ext cx="375840" cy="287280"/>
           </a:xfrm>
           <a:prstGeom prst="rect">
             <a:avLst/>
@@ -11684,7 +11690,7 @@
         <p:spPr>
           <a:xfrm>
             <a:off x="968400" y="3643200"/>
-            <a:ext cx="441720" cy="441720"/>
+            <a:ext cx="441360" cy="441360"/>
           </a:xfrm>
           <a:prstGeom prst="rect">
             <a:avLst/>
@@ -11715,7 +11721,7 @@
         <p:spPr>
           <a:xfrm>
             <a:off x="1001160" y="3720240"/>
-            <a:ext cx="376200" cy="287640"/>
+            <a:ext cx="375840" cy="287280"/>
           </a:xfrm>
           <a:prstGeom prst="rect">
             <a:avLst/>
@@ -11762,7 +11768,7 @@
         <p:spPr>
           <a:xfrm>
             <a:off x="968400" y="4160160"/>
-            <a:ext cx="441720" cy="441720"/>
+            <a:ext cx="441360" cy="441360"/>
           </a:xfrm>
           <a:prstGeom prst="rect">
             <a:avLst/>
@@ -11793,7 +11799,7 @@
         <p:spPr>
           <a:xfrm>
             <a:off x="1001160" y="4237200"/>
-            <a:ext cx="376200" cy="287640"/>
+            <a:ext cx="375840" cy="287280"/>
           </a:xfrm>
           <a:prstGeom prst="rect">
             <a:avLst/>
@@ -11840,7 +11846,7 @@
         <p:spPr>
           <a:xfrm>
             <a:off x="3740040" y="2772000"/>
-            <a:ext cx="344160" cy="243720"/>
+            <a:ext cx="343800" cy="243360"/>
           </a:xfrm>
           <a:prstGeom prst="rect">
             <a:avLst/>
@@ -11887,7 +11893,7 @@
         <p:spPr>
           <a:xfrm>
             <a:off x="4399200" y="1965240"/>
-            <a:ext cx="344160" cy="243720"/>
+            <a:ext cx="343800" cy="243360"/>
           </a:xfrm>
           <a:prstGeom prst="rect">
             <a:avLst/>
@@ -11934,7 +11940,7 @@
         <p:spPr>
           <a:xfrm>
             <a:off x="4350600" y="2240640"/>
-            <a:ext cx="441720" cy="243720"/>
+            <a:ext cx="441360" cy="243360"/>
           </a:xfrm>
           <a:prstGeom prst="rect">
             <a:avLst/>
@@ -11981,7 +11987,7 @@
         <p:spPr>
           <a:xfrm>
             <a:off x="3267720" y="187200"/>
-            <a:ext cx="2680920" cy="287640"/>
+            <a:ext cx="2680560" cy="287280"/>
           </a:xfrm>
           <a:prstGeom prst="rect">
             <a:avLst/>
@@ -12046,7 +12052,7 @@
         <p:spPr>
           <a:xfrm>
             <a:off x="7606440" y="2019960"/>
-            <a:ext cx="1186920" cy="1179360"/>
+            <a:ext cx="1186560" cy="1179000"/>
           </a:xfrm>
           <a:prstGeom prst="rect">
             <a:avLst/>
@@ -12077,7 +12083,7 @@
         <p:spPr>
           <a:xfrm>
             <a:off x="7606440" y="578880"/>
-            <a:ext cx="1186920" cy="1179360"/>
+            <a:ext cx="1186560" cy="1179000"/>
           </a:xfrm>
           <a:prstGeom prst="rect">
             <a:avLst/>
@@ -12108,7 +12114,7 @@
         <p:spPr>
           <a:xfrm>
             <a:off x="7666560" y="1007280"/>
-            <a:ext cx="1067040" cy="337680"/>
+            <a:ext cx="1066680" cy="337320"/>
           </a:xfrm>
           <a:prstGeom prst="rect">
             <a:avLst/>
@@ -12155,7 +12161,7 @@
         <p:spPr>
           <a:xfrm>
             <a:off x="7606440" y="3384000"/>
-            <a:ext cx="1186920" cy="1179360"/>
+            <a:ext cx="1186560" cy="1179000"/>
           </a:xfrm>
           <a:prstGeom prst="rect">
             <a:avLst/>
@@ -12186,7 +12192,7 @@
         <p:spPr>
           <a:xfrm>
             <a:off x="7666560" y="3812040"/>
-            <a:ext cx="1067040" cy="337680"/>
+            <a:ext cx="1066680" cy="337320"/>
           </a:xfrm>
           <a:prstGeom prst="rect">
             <a:avLst/>
@@ -12233,7 +12239,7 @@
         <p:spPr>
           <a:xfrm>
             <a:off x="7066440" y="1168920"/>
-            <a:ext cx="539640" cy="360"/>
+            <a:ext cx="539280" cy="360"/>
           </a:xfrm>
           <a:prstGeom prst="straightConnector1">
             <a:avLst/>
@@ -12262,7 +12268,7 @@
         <p:spPr>
           <a:xfrm>
             <a:off x="5946840" y="2571480"/>
-            <a:ext cx="1643040" cy="360"/>
+            <a:ext cx="1642680" cy="360"/>
           </a:xfrm>
           <a:prstGeom prst="straightConnector1">
             <a:avLst/>
@@ -12291,7 +12297,7 @@
         <p:spPr>
           <a:xfrm>
             <a:off x="7049520" y="3981240"/>
-            <a:ext cx="539640" cy="360"/>
+            <a:ext cx="539280" cy="360"/>
           </a:xfrm>
           <a:prstGeom prst="straightConnector1">
             <a:avLst/>
@@ -12319,8 +12325,8 @@
         </p:nvSpPr>
         <p:spPr>
           <a:xfrm rot="10800000">
-            <a:off x="7067160" y="3981240"/>
-            <a:ext cx="360" cy="2812680"/>
+            <a:off x="7067880" y="3981600"/>
+            <a:ext cx="360" cy="2812320"/>
           </a:xfrm>
           <a:prstGeom prst="straightConnector1">
             <a:avLst/>
@@ -12349,7 +12355,7 @@
         <p:spPr>
           <a:xfrm>
             <a:off x="7666560" y="2182680"/>
-            <a:ext cx="1067040" cy="792000"/>
+            <a:ext cx="1066680" cy="791640"/>
           </a:xfrm>
           <a:prstGeom prst="rect">
             <a:avLst/>
@@ -12396,7 +12402,7 @@
         <p:spPr>
           <a:xfrm>
             <a:off x="2016360" y="3108960"/>
-            <a:ext cx="1186920" cy="1179360"/>
+            <a:ext cx="1186560" cy="1179000"/>
           </a:xfrm>
           <a:prstGeom prst="rect">
             <a:avLst/>
@@ -12427,7 +12433,7 @@
         <p:spPr>
           <a:xfrm>
             <a:off x="2076480" y="3546720"/>
-            <a:ext cx="1067040" cy="337680"/>
+            <a:ext cx="1066680" cy="337320"/>
           </a:xfrm>
           <a:prstGeom prst="rect">
             <a:avLst/>
@@ -12474,7 +12480,7 @@
         <p:spPr>
           <a:xfrm>
             <a:off x="1411200" y="761400"/>
-            <a:ext cx="539640" cy="360"/>
+            <a:ext cx="539280" cy="360"/>
           </a:xfrm>
           <a:prstGeom prst="straightConnector1">
             <a:avLst/>
@@ -12503,7 +12509,7 @@
         <p:spPr>
           <a:xfrm>
             <a:off x="1407960" y="4381200"/>
-            <a:ext cx="542880" cy="360"/>
+            <a:ext cx="542520" cy="360"/>
           </a:xfrm>
           <a:prstGeom prst="straightConnector1">
             <a:avLst/>
@@ -12532,7 +12538,7 @@
         <p:spPr>
           <a:xfrm>
             <a:off x="1411200" y="1278720"/>
-            <a:ext cx="539640" cy="360"/>
+            <a:ext cx="539280" cy="360"/>
           </a:xfrm>
           <a:prstGeom prst="straightConnector1">
             <a:avLst/>
@@ -12561,7 +12567,7 @@
         <p:spPr>
           <a:xfrm>
             <a:off x="1419840" y="2313000"/>
-            <a:ext cx="539640" cy="360"/>
+            <a:ext cx="539280" cy="360"/>
           </a:xfrm>
           <a:prstGeom prst="straightConnector1">
             <a:avLst/>
@@ -12589,8 +12595,8 @@
         </p:nvSpPr>
         <p:spPr>
           <a:xfrm rot="10800000">
-            <a:off x="1951200" y="4381200"/>
-            <a:ext cx="360" cy="3620160"/>
+            <a:off x="1950480" y="4381200"/>
+            <a:ext cx="360" cy="3619800"/>
           </a:xfrm>
           <a:prstGeom prst="straightConnector1">
             <a:avLst/>
@@ -12619,7 +12625,7 @@
         <p:spPr>
           <a:xfrm>
             <a:off x="1414440" y="1795680"/>
-            <a:ext cx="539640" cy="360"/>
+            <a:ext cx="539280" cy="360"/>
           </a:xfrm>
           <a:prstGeom prst="straightConnector1">
             <a:avLst/>
@@ -12648,7 +12654,7 @@
         <p:spPr>
           <a:xfrm>
             <a:off x="1423080" y="2829960"/>
-            <a:ext cx="539640" cy="360"/>
+            <a:ext cx="539280" cy="360"/>
           </a:xfrm>
           <a:prstGeom prst="straightConnector1">
             <a:avLst/>
@@ -12677,7 +12683,7 @@
         <p:spPr>
           <a:xfrm>
             <a:off x="1423080" y="3310560"/>
-            <a:ext cx="539640" cy="360"/>
+            <a:ext cx="539280" cy="360"/>
           </a:xfrm>
           <a:prstGeom prst="straightConnector1">
             <a:avLst/>
@@ -12706,7 +12712,7 @@
         <p:spPr>
           <a:xfrm>
             <a:off x="1423080" y="3864240"/>
-            <a:ext cx="539640" cy="360"/>
+            <a:ext cx="539280" cy="360"/>
           </a:xfrm>
           <a:prstGeom prst="straightConnector1">
             <a:avLst/>
@@ -12735,7 +12741,7 @@
         <p:spPr>
           <a:xfrm>
             <a:off x="1963440" y="2571480"/>
-            <a:ext cx="1236600" cy="360"/>
+            <a:ext cx="1236240" cy="360"/>
           </a:xfrm>
           <a:prstGeom prst="straightConnector1">
             <a:avLst/>
@@ -12763,8 +12769,8 @@
         </p:nvSpPr>
         <p:spPr>
           <a:xfrm rot="10800000">
-            <a:off x="2614680" y="3108960"/>
-            <a:ext cx="360" cy="545760"/>
+            <a:off x="2615040" y="3109320"/>
+            <a:ext cx="360" cy="545400"/>
           </a:xfrm>
           <a:prstGeom prst="straightConnector1">
             <a:avLst/>
@@ -12793,7 +12799,7 @@
         <p:spPr>
           <a:xfrm>
             <a:off x="4399200" y="2780640"/>
-            <a:ext cx="344160" cy="243720"/>
+            <a:ext cx="343800" cy="243360"/>
           </a:xfrm>
           <a:prstGeom prst="rect">
             <a:avLst/>
@@ -12840,7 +12846,7 @@
         <p:spPr>
           <a:xfrm>
             <a:off x="2000160" y="2313000"/>
-            <a:ext cx="1067040" cy="165240"/>
+            <a:ext cx="1066680" cy="164880"/>
           </a:xfrm>
           <a:prstGeom prst="rect">
             <a:avLst/>
@@ -12887,7 +12893,7 @@
         <p:spPr>
           <a:xfrm>
             <a:off x="5968440" y="2313000"/>
-            <a:ext cx="1067040" cy="165240"/>
+            <a:ext cx="1066680" cy="164880"/>
           </a:xfrm>
           <a:prstGeom prst="rect">
             <a:avLst/>
@@ -12934,7 +12940,7 @@
         <p:spPr>
           <a:xfrm>
             <a:off x="5040000" y="1940040"/>
-            <a:ext cx="272520" cy="272520"/>
+            <a:ext cx="272160" cy="272160"/>
           </a:xfrm>
           <a:prstGeom prst="rect">
             <a:avLst/>
@@ -12965,7 +12971,7 @@
         <p:spPr>
           <a:xfrm>
             <a:off x="5040000" y="2213640"/>
-            <a:ext cx="272520" cy="272520"/>
+            <a:ext cx="272160" cy="272160"/>
           </a:xfrm>
           <a:prstGeom prst="rect">
             <a:avLst/>
@@ -12996,7 +13002,7 @@
         <p:spPr>
           <a:xfrm>
             <a:off x="5040000" y="2487240"/>
-            <a:ext cx="272520" cy="272520"/>
+            <a:ext cx="272160" cy="272160"/>
           </a:xfrm>
           <a:prstGeom prst="rect">
             <a:avLst/>
@@ -13027,7 +13033,7 @@
         <p:spPr>
           <a:xfrm>
             <a:off x="5040000" y="2760840"/>
-            <a:ext cx="272520" cy="272520"/>
+            <a:ext cx="272160" cy="272160"/>
           </a:xfrm>
           <a:prstGeom prst="rect">
             <a:avLst/>
@@ -13058,7 +13064,7 @@
         <p:spPr>
           <a:xfrm>
             <a:off x="5040000" y="3030480"/>
-            <a:ext cx="272520" cy="288000"/>
+            <a:ext cx="272160" cy="287640"/>
           </a:xfrm>
           <a:prstGeom prst="rect">
             <a:avLst/>
@@ -13089,7 +13095,7 @@
         <p:spPr>
           <a:xfrm>
             <a:off x="5040000" y="3319920"/>
-            <a:ext cx="272520" cy="288000"/>
+            <a:ext cx="272160" cy="287640"/>
           </a:xfrm>
           <a:prstGeom prst="rect">
             <a:avLst/>
@@ -13120,7 +13126,7 @@
         <p:spPr>
           <a:xfrm>
             <a:off x="4819320" y="1534320"/>
-            <a:ext cx="767520" cy="337680"/>
+            <a:ext cx="767160" cy="337320"/>
           </a:xfrm>
           <a:prstGeom prst="rect">
             <a:avLst/>
@@ -13167,7 +13173,7 @@
         <p:spPr>
           <a:xfrm>
             <a:off x="5004000" y="1958040"/>
-            <a:ext cx="376200" cy="243720"/>
+            <a:ext cx="375840" cy="243360"/>
           </a:xfrm>
           <a:prstGeom prst="rect">
             <a:avLst/>
@@ -13214,7 +13220,7 @@
         <p:spPr>
           <a:xfrm>
             <a:off x="4955400" y="2233440"/>
-            <a:ext cx="441720" cy="243720"/>
+            <a:ext cx="441360" cy="243360"/>
           </a:xfrm>
           <a:prstGeom prst="rect">
             <a:avLst/>
@@ -13261,7 +13267,7 @@
         <p:spPr>
           <a:xfrm>
             <a:off x="5004000" y="2498040"/>
-            <a:ext cx="344160" cy="243720"/>
+            <a:ext cx="343800" cy="243360"/>
           </a:xfrm>
           <a:prstGeom prst="rect">
             <a:avLst/>
@@ -13308,7 +13314,7 @@
         <p:spPr>
           <a:xfrm>
             <a:off x="5004000" y="2773440"/>
-            <a:ext cx="344160" cy="243720"/>
+            <a:ext cx="343800" cy="243360"/>
           </a:xfrm>
           <a:prstGeom prst="rect">
             <a:avLst/>
@@ -13355,7 +13361,7 @@
         <p:spPr>
           <a:xfrm>
             <a:off x="3670560" y="3045600"/>
-            <a:ext cx="483120" cy="243720"/>
+            <a:ext cx="482760" cy="243360"/>
           </a:xfrm>
           <a:prstGeom prst="rect">
             <a:avLst/>
@@ -13402,7 +13408,7 @@
         <p:spPr>
           <a:xfrm>
             <a:off x="3670560" y="3325320"/>
-            <a:ext cx="483120" cy="243720"/>
+            <a:ext cx="482760" cy="243360"/>
           </a:xfrm>
           <a:prstGeom prst="rect">
             <a:avLst/>
@@ -13449,7 +13455,7 @@
         <p:spPr>
           <a:xfrm>
             <a:off x="4320360" y="2508840"/>
-            <a:ext cx="483120" cy="243720"/>
+            <a:ext cx="482760" cy="243360"/>
           </a:xfrm>
           <a:prstGeom prst="rect">
             <a:avLst/>
@@ -13496,7 +13502,7 @@
         <p:spPr>
           <a:xfrm>
             <a:off x="4338720" y="3053880"/>
-            <a:ext cx="483120" cy="243720"/>
+            <a:ext cx="482760" cy="243360"/>
           </a:xfrm>
           <a:prstGeom prst="rect">
             <a:avLst/>
@@ -13542,8 +13548,8 @@
         </p:nvSpPr>
         <p:spPr>
           <a:xfrm rot="10800000">
-            <a:off x="968400" y="886320"/>
-            <a:ext cx="414000" cy="360"/>
+            <a:off x="973800" y="886680"/>
+            <a:ext cx="413640" cy="360"/>
           </a:xfrm>
           <a:prstGeom prst="straightConnector1">
             <a:avLst/>
@@ -13571,8 +13577,8 @@
         </p:nvSpPr>
         <p:spPr>
           <a:xfrm rot="10800000">
-            <a:off x="957240" y="1395720"/>
-            <a:ext cx="414000" cy="360"/>
+            <a:off x="956880" y="1395000"/>
+            <a:ext cx="413640" cy="360"/>
           </a:xfrm>
           <a:prstGeom prst="straightConnector1">
             <a:avLst/>
@@ -13601,7 +13607,7 @@
         <p:spPr>
           <a:xfrm>
             <a:off x="560160" y="885600"/>
-            <a:ext cx="360" cy="298800"/>
+            <a:ext cx="360" cy="298440"/>
           </a:xfrm>
           <a:prstGeom prst="straightConnector1">
             <a:avLst/>
@@ -13630,7 +13636,7 @@
         <p:spPr>
           <a:xfrm>
             <a:off x="543240" y="1395000"/>
-            <a:ext cx="360" cy="298800"/>
+            <a:ext cx="360" cy="298440"/>
           </a:xfrm>
           <a:prstGeom prst="straightConnector1">
             <a:avLst/>
@@ -13659,7 +13665,7 @@
         <p:spPr>
           <a:xfrm>
             <a:off x="566640" y="1198440"/>
-            <a:ext cx="392400" cy="360"/>
+            <a:ext cx="392040" cy="360"/>
           </a:xfrm>
           <a:prstGeom prst="straightConnector1">
             <a:avLst/>
@@ -13689,7 +13695,7 @@
         <p:spPr>
           <a:xfrm>
             <a:off x="543240" y="1703880"/>
-            <a:ext cx="392400" cy="360"/>
+            <a:ext cx="392040" cy="360"/>
           </a:xfrm>
           <a:prstGeom prst="straightConnector1">
             <a:avLst/>
@@ -13719,7 +13725,7 @@
         <p:spPr>
           <a:xfrm>
             <a:off x="158760" y="426600"/>
-            <a:ext cx="767520" cy="383400"/>
+            <a:ext cx="767160" cy="383040"/>
           </a:xfrm>
           <a:prstGeom prst="rect">
             <a:avLst/>
@@ -13818,7 +13824,7 @@
         <p:spPr>
           <a:xfrm>
             <a:off x="4114800" y="12960"/>
-            <a:ext cx="8557200" cy="443520"/>
+            <a:ext cx="8556840" cy="443160"/>
           </a:xfrm>
           <a:prstGeom prst="rect">
             <a:avLst/>
@@ -13860,7 +13866,7 @@
         <p:spPr>
           <a:xfrm>
             <a:off x="241200" y="-39240"/>
-            <a:ext cx="7825680" cy="5059080"/>
+            <a:ext cx="7825320" cy="5058720"/>
           </a:xfrm>
           <a:prstGeom prst="rect">
             <a:avLst/>
@@ -14753,7 +14759,7 @@
         <p:spPr>
           <a:xfrm>
             <a:off x="3197880" y="1197720"/>
-            <a:ext cx="2747160" cy="2747160"/>
+            <a:ext cx="2746800" cy="2746800"/>
           </a:xfrm>
           <a:prstGeom prst="ellipse">
             <a:avLst/>
@@ -14784,7 +14790,7 @@
         <p:spPr>
           <a:xfrm>
             <a:off x="4233960" y="617400"/>
-            <a:ext cx="669960" cy="455040"/>
+            <a:ext cx="669600" cy="454680"/>
           </a:xfrm>
           <a:prstGeom prst="rect">
             <a:avLst/>
@@ -14831,7 +14837,7 @@
         <p:spPr>
           <a:xfrm>
             <a:off x="3775680" y="1931040"/>
-            <a:ext cx="272520" cy="272520"/>
+            <a:ext cx="272160" cy="272160"/>
           </a:xfrm>
           <a:prstGeom prst="rect">
             <a:avLst/>
@@ -14862,7 +14868,7 @@
         <p:spPr>
           <a:xfrm>
             <a:off x="3775680" y="2204640"/>
-            <a:ext cx="272520" cy="272520"/>
+            <a:ext cx="272160" cy="272160"/>
           </a:xfrm>
           <a:prstGeom prst="rect">
             <a:avLst/>
@@ -14893,7 +14899,7 @@
         <p:spPr>
           <a:xfrm>
             <a:off x="3775680" y="2478240"/>
-            <a:ext cx="272520" cy="272520"/>
+            <a:ext cx="272160" cy="272160"/>
           </a:xfrm>
           <a:prstGeom prst="rect">
             <a:avLst/>
@@ -14924,7 +14930,7 @@
         <p:spPr>
           <a:xfrm>
             <a:off x="3775680" y="2751840"/>
-            <a:ext cx="272520" cy="272520"/>
+            <a:ext cx="272160" cy="272160"/>
           </a:xfrm>
           <a:prstGeom prst="rect">
             <a:avLst/>
@@ -14955,7 +14961,7 @@
         <p:spPr>
           <a:xfrm>
             <a:off x="3775680" y="3021480"/>
-            <a:ext cx="272520" cy="288000"/>
+            <a:ext cx="272160" cy="287640"/>
           </a:xfrm>
           <a:prstGeom prst="rect">
             <a:avLst/>
@@ -14986,7 +14992,7 @@
         <p:spPr>
           <a:xfrm>
             <a:off x="3775680" y="3310920"/>
-            <a:ext cx="272520" cy="288000"/>
+            <a:ext cx="272160" cy="287640"/>
           </a:xfrm>
           <a:prstGeom prst="rect">
             <a:avLst/>
@@ -15017,7 +15023,7 @@
         <p:spPr>
           <a:xfrm>
             <a:off x="4435200" y="1947240"/>
-            <a:ext cx="272520" cy="272520"/>
+            <a:ext cx="272160" cy="272160"/>
           </a:xfrm>
           <a:prstGeom prst="rect">
             <a:avLst/>
@@ -15048,7 +15054,7 @@
         <p:spPr>
           <a:xfrm>
             <a:off x="4435200" y="2220840"/>
-            <a:ext cx="272520" cy="272520"/>
+            <a:ext cx="272160" cy="272160"/>
           </a:xfrm>
           <a:prstGeom prst="rect">
             <a:avLst/>
@@ -15079,7 +15085,7 @@
         <p:spPr>
           <a:xfrm>
             <a:off x="4435200" y="2494440"/>
-            <a:ext cx="272520" cy="272520"/>
+            <a:ext cx="272160" cy="272160"/>
           </a:xfrm>
           <a:prstGeom prst="rect">
             <a:avLst/>
@@ -15110,7 +15116,7 @@
         <p:spPr>
           <a:xfrm>
             <a:off x="4435200" y="2768040"/>
-            <a:ext cx="272520" cy="272520"/>
+            <a:ext cx="272160" cy="272160"/>
           </a:xfrm>
           <a:prstGeom prst="rect">
             <a:avLst/>
@@ -15141,7 +15147,7 @@
         <p:spPr>
           <a:xfrm>
             <a:off x="4435200" y="3038040"/>
-            <a:ext cx="272520" cy="288000"/>
+            <a:ext cx="272160" cy="287640"/>
           </a:xfrm>
           <a:prstGeom prst="rect">
             <a:avLst/>
@@ -15172,7 +15178,7 @@
         <p:spPr>
           <a:xfrm>
             <a:off x="4435200" y="3327120"/>
-            <a:ext cx="272520" cy="288000"/>
+            <a:ext cx="272160" cy="287640"/>
           </a:xfrm>
           <a:prstGeom prst="rect">
             <a:avLst/>
@@ -15203,7 +15209,7 @@
         <p:spPr>
           <a:xfrm>
             <a:off x="3452760" y="1473120"/>
-            <a:ext cx="918720" cy="518400"/>
+            <a:ext cx="918360" cy="518040"/>
           </a:xfrm>
           <a:prstGeom prst="rect">
             <a:avLst/>
@@ -15268,7 +15274,7 @@
         <p:spPr>
           <a:xfrm>
             <a:off x="4350600" y="1541880"/>
-            <a:ext cx="441720" cy="337680"/>
+            <a:ext cx="441360" cy="337320"/>
           </a:xfrm>
           <a:prstGeom prst="rect">
             <a:avLst/>
@@ -15315,7 +15321,7 @@
         <p:spPr>
           <a:xfrm>
             <a:off x="3740040" y="1945440"/>
-            <a:ext cx="344160" cy="243720"/>
+            <a:ext cx="343800" cy="243360"/>
           </a:xfrm>
           <a:prstGeom prst="rect">
             <a:avLst/>
@@ -15362,7 +15368,7 @@
         <p:spPr>
           <a:xfrm>
             <a:off x="3670560" y="2219040"/>
-            <a:ext cx="483120" cy="243720"/>
+            <a:ext cx="482760" cy="243360"/>
           </a:xfrm>
           <a:prstGeom prst="rect">
             <a:avLst/>
@@ -15409,7 +15415,7 @@
         <p:spPr>
           <a:xfrm>
             <a:off x="3740040" y="2485440"/>
-            <a:ext cx="344160" cy="243720"/>
+            <a:ext cx="343800" cy="243360"/>
           </a:xfrm>
           <a:prstGeom prst="rect">
             <a:avLst/>
@@ -15456,7 +15462,7 @@
         <p:spPr>
           <a:xfrm>
             <a:off x="968400" y="540360"/>
-            <a:ext cx="441720" cy="441720"/>
+            <a:ext cx="441360" cy="441360"/>
           </a:xfrm>
           <a:prstGeom prst="rect">
             <a:avLst/>
@@ -15487,7 +15493,7 @@
         <p:spPr>
           <a:xfrm>
             <a:off x="1001160" y="617760"/>
-            <a:ext cx="376200" cy="287640"/>
+            <a:ext cx="375840" cy="287280"/>
           </a:xfrm>
           <a:prstGeom prst="rect">
             <a:avLst/>
@@ -15534,7 +15540,7 @@
         <p:spPr>
           <a:xfrm>
             <a:off x="968400" y="1057680"/>
-            <a:ext cx="441720" cy="441720"/>
+            <a:ext cx="441360" cy="441360"/>
           </a:xfrm>
           <a:prstGeom prst="rect">
             <a:avLst/>
@@ -15565,7 +15571,7 @@
         <p:spPr>
           <a:xfrm>
             <a:off x="1001160" y="1134720"/>
-            <a:ext cx="376200" cy="287640"/>
+            <a:ext cx="375840" cy="287280"/>
           </a:xfrm>
           <a:prstGeom prst="rect">
             <a:avLst/>
@@ -15612,7 +15618,7 @@
         <p:spPr>
           <a:xfrm>
             <a:off x="968400" y="1574640"/>
-            <a:ext cx="441720" cy="441720"/>
+            <a:ext cx="441360" cy="441360"/>
           </a:xfrm>
           <a:prstGeom prst="rect">
             <a:avLst/>
@@ -15643,7 +15649,7 @@
         <p:spPr>
           <a:xfrm>
             <a:off x="1001160" y="1651680"/>
-            <a:ext cx="376200" cy="287640"/>
+            <a:ext cx="375840" cy="287280"/>
           </a:xfrm>
           <a:prstGeom prst="rect">
             <a:avLst/>
@@ -15690,7 +15696,7 @@
         <p:spPr>
           <a:xfrm>
             <a:off x="968400" y="2091960"/>
-            <a:ext cx="441720" cy="441720"/>
+            <a:ext cx="441360" cy="441360"/>
           </a:xfrm>
           <a:prstGeom prst="rect">
             <a:avLst/>
@@ -15721,7 +15727,7 @@
         <p:spPr>
           <a:xfrm>
             <a:off x="1001160" y="2169000"/>
-            <a:ext cx="376200" cy="287640"/>
+            <a:ext cx="375840" cy="287280"/>
           </a:xfrm>
           <a:prstGeom prst="rect">
             <a:avLst/>
@@ -15768,7 +15774,7 @@
         <p:spPr>
           <a:xfrm>
             <a:off x="968400" y="2608920"/>
-            <a:ext cx="441720" cy="441720"/>
+            <a:ext cx="441360" cy="441360"/>
           </a:xfrm>
           <a:prstGeom prst="rect">
             <a:avLst/>
@@ -15799,7 +15805,7 @@
         <p:spPr>
           <a:xfrm>
             <a:off x="1001160" y="2685960"/>
-            <a:ext cx="376200" cy="287640"/>
+            <a:ext cx="375840" cy="287280"/>
           </a:xfrm>
           <a:prstGeom prst="rect">
             <a:avLst/>
@@ -15846,7 +15852,7 @@
         <p:spPr>
           <a:xfrm>
             <a:off x="968400" y="3125880"/>
-            <a:ext cx="441720" cy="441720"/>
+            <a:ext cx="441360" cy="441360"/>
           </a:xfrm>
           <a:prstGeom prst="rect">
             <a:avLst/>
@@ -15877,7 +15883,7 @@
         <p:spPr>
           <a:xfrm>
             <a:off x="1001160" y="3202920"/>
-            <a:ext cx="376200" cy="287640"/>
+            <a:ext cx="375840" cy="287280"/>
           </a:xfrm>
           <a:prstGeom prst="rect">
             <a:avLst/>
@@ -15924,7 +15930,7 @@
         <p:spPr>
           <a:xfrm>
             <a:off x="968400" y="3643200"/>
-            <a:ext cx="441720" cy="441720"/>
+            <a:ext cx="441360" cy="441360"/>
           </a:xfrm>
           <a:prstGeom prst="rect">
             <a:avLst/>
@@ -15955,7 +15961,7 @@
         <p:spPr>
           <a:xfrm>
             <a:off x="1001160" y="3720240"/>
-            <a:ext cx="376200" cy="287640"/>
+            <a:ext cx="375840" cy="287280"/>
           </a:xfrm>
           <a:prstGeom prst="rect">
             <a:avLst/>
@@ -16002,7 +16008,7 @@
         <p:spPr>
           <a:xfrm>
             <a:off x="968400" y="4160160"/>
-            <a:ext cx="441720" cy="441720"/>
+            <a:ext cx="441360" cy="441360"/>
           </a:xfrm>
           <a:prstGeom prst="rect">
             <a:avLst/>
@@ -16033,7 +16039,7 @@
         <p:spPr>
           <a:xfrm>
             <a:off x="1001160" y="4237200"/>
-            <a:ext cx="376200" cy="287640"/>
+            <a:ext cx="375840" cy="287280"/>
           </a:xfrm>
           <a:prstGeom prst="rect">
             <a:avLst/>
@@ -16080,7 +16086,7 @@
         <p:spPr>
           <a:xfrm>
             <a:off x="3740040" y="2772000"/>
-            <a:ext cx="344160" cy="243720"/>
+            <a:ext cx="343800" cy="243360"/>
           </a:xfrm>
           <a:prstGeom prst="rect">
             <a:avLst/>
@@ -16127,7 +16133,7 @@
         <p:spPr>
           <a:xfrm>
             <a:off x="4399200" y="1965240"/>
-            <a:ext cx="344160" cy="243720"/>
+            <a:ext cx="343800" cy="243360"/>
           </a:xfrm>
           <a:prstGeom prst="rect">
             <a:avLst/>
@@ -16174,7 +16180,7 @@
         <p:spPr>
           <a:xfrm>
             <a:off x="4350600" y="2240640"/>
-            <a:ext cx="441720" cy="243720"/>
+            <a:ext cx="441360" cy="243360"/>
           </a:xfrm>
           <a:prstGeom prst="rect">
             <a:avLst/>
@@ -16221,7 +16227,7 @@
         <p:spPr>
           <a:xfrm>
             <a:off x="1411200" y="761760"/>
-            <a:ext cx="539640" cy="360"/>
+            <a:ext cx="539280" cy="360"/>
           </a:xfrm>
           <a:prstGeom prst="straightConnector1">
             <a:avLst/>
@@ -16249,8 +16255,8 @@
         </p:nvSpPr>
         <p:spPr>
           <a:xfrm rot="10800000">
-            <a:off x="1952280" y="4382280"/>
-            <a:ext cx="360" cy="3620160"/>
+            <a:off x="1953000" y="4381560"/>
+            <a:ext cx="360" cy="3619800"/>
           </a:xfrm>
           <a:prstGeom prst="straightConnector1">
             <a:avLst/>
@@ -16279,7 +16285,7 @@
         <p:spPr>
           <a:xfrm>
             <a:off x="1407960" y="4381560"/>
-            <a:ext cx="542880" cy="360"/>
+            <a:ext cx="542520" cy="360"/>
           </a:xfrm>
           <a:prstGeom prst="straightConnector1">
             <a:avLst/>
@@ -16308,7 +16314,7 @@
         <p:spPr>
           <a:xfrm>
             <a:off x="1411200" y="1279080"/>
-            <a:ext cx="539640" cy="360"/>
+            <a:ext cx="539280" cy="360"/>
           </a:xfrm>
           <a:prstGeom prst="straightConnector1">
             <a:avLst/>
@@ -16337,7 +16343,7 @@
         <p:spPr>
           <a:xfrm>
             <a:off x="1411200" y="1796040"/>
-            <a:ext cx="539640" cy="360"/>
+            <a:ext cx="539280" cy="360"/>
           </a:xfrm>
           <a:prstGeom prst="straightConnector1">
             <a:avLst/>
@@ -16366,7 +16372,7 @@
         <p:spPr>
           <a:xfrm>
             <a:off x="1419840" y="2313360"/>
-            <a:ext cx="539640" cy="360"/>
+            <a:ext cx="539280" cy="360"/>
           </a:xfrm>
           <a:prstGeom prst="straightConnector1">
             <a:avLst/>
@@ -16395,7 +16401,7 @@
         <p:spPr>
           <a:xfrm>
             <a:off x="1419840" y="2830320"/>
-            <a:ext cx="539640" cy="360"/>
+            <a:ext cx="539280" cy="360"/>
           </a:xfrm>
           <a:prstGeom prst="straightConnector1">
             <a:avLst/>
@@ -16424,7 +16430,7 @@
         <p:spPr>
           <a:xfrm>
             <a:off x="1419840" y="3310920"/>
-            <a:ext cx="539640" cy="360"/>
+            <a:ext cx="539280" cy="360"/>
           </a:xfrm>
           <a:prstGeom prst="straightConnector1">
             <a:avLst/>
@@ -16453,7 +16459,7 @@
         <p:spPr>
           <a:xfrm>
             <a:off x="1419840" y="3864600"/>
-            <a:ext cx="539640" cy="360"/>
+            <a:ext cx="539280" cy="360"/>
           </a:xfrm>
           <a:prstGeom prst="straightConnector1">
             <a:avLst/>
@@ -16482,7 +16488,7 @@
         <p:spPr>
           <a:xfrm>
             <a:off x="2834640" y="79200"/>
-            <a:ext cx="4022640" cy="287640"/>
+            <a:ext cx="4022280" cy="287280"/>
           </a:xfrm>
           <a:prstGeom prst="rect">
             <a:avLst/>
@@ -16547,7 +16553,7 @@
         <p:spPr>
           <a:xfrm>
             <a:off x="1960200" y="2571840"/>
-            <a:ext cx="1236600" cy="360"/>
+            <a:ext cx="1236240" cy="360"/>
           </a:xfrm>
           <a:prstGeom prst="straightConnector1">
             <a:avLst/>
@@ -16576,7 +16582,7 @@
         <p:spPr>
           <a:xfrm>
             <a:off x="6774840" y="2061360"/>
-            <a:ext cx="1041120" cy="1034640"/>
+            <a:ext cx="1040760" cy="1034280"/>
           </a:xfrm>
           <a:prstGeom prst="rect">
             <a:avLst/>
@@ -16607,7 +16613,7 @@
         <p:spPr>
           <a:xfrm>
             <a:off x="7139520" y="586440"/>
-            <a:ext cx="1186920" cy="1179360"/>
+            <a:ext cx="1186560" cy="1179000"/>
           </a:xfrm>
           <a:prstGeom prst="rect">
             <a:avLst/>
@@ -16638,7 +16644,7 @@
         <p:spPr>
           <a:xfrm>
             <a:off x="7199640" y="1014480"/>
-            <a:ext cx="1067040" cy="337680"/>
+            <a:ext cx="1066680" cy="337320"/>
           </a:xfrm>
           <a:prstGeom prst="rect">
             <a:avLst/>
@@ -16685,7 +16691,7 @@
         <p:spPr>
           <a:xfrm>
             <a:off x="7139520" y="3391200"/>
-            <a:ext cx="1186920" cy="1179360"/>
+            <a:ext cx="1186560" cy="1179000"/>
           </a:xfrm>
           <a:prstGeom prst="rect">
             <a:avLst/>
@@ -16716,7 +16722,7 @@
         <p:spPr>
           <a:xfrm>
             <a:off x="7199640" y="3819240"/>
-            <a:ext cx="1067040" cy="337680"/>
+            <a:ext cx="1066680" cy="337320"/>
           </a:xfrm>
           <a:prstGeom prst="rect">
             <a:avLst/>
@@ -16763,7 +16769,7 @@
         <p:spPr>
           <a:xfrm>
             <a:off x="6599160" y="1176480"/>
-            <a:ext cx="539640" cy="360"/>
+            <a:ext cx="539280" cy="360"/>
           </a:xfrm>
           <a:prstGeom prst="straightConnector1">
             <a:avLst/>
@@ -16792,7 +16798,7 @@
         <p:spPr>
           <a:xfrm>
             <a:off x="5946120" y="2571840"/>
-            <a:ext cx="806040" cy="360"/>
+            <a:ext cx="805680" cy="360"/>
           </a:xfrm>
           <a:prstGeom prst="straightConnector1">
             <a:avLst/>
@@ -16821,7 +16827,7 @@
         <p:spPr>
           <a:xfrm>
             <a:off x="6582960" y="3988800"/>
-            <a:ext cx="539640" cy="360"/>
+            <a:ext cx="539280" cy="360"/>
           </a:xfrm>
           <a:prstGeom prst="straightConnector1">
             <a:avLst/>
@@ -16849,8 +16855,8 @@
         </p:nvSpPr>
         <p:spPr>
           <a:xfrm rot="10800000">
-            <a:off x="6599520" y="3988800"/>
-            <a:ext cx="360" cy="2812680"/>
+            <a:off x="6599160" y="3988800"/>
+            <a:ext cx="360" cy="2812320"/>
           </a:xfrm>
           <a:prstGeom prst="straightConnector1">
             <a:avLst/>
@@ -16879,7 +16885,7 @@
         <p:spPr>
           <a:xfrm>
             <a:off x="6753240" y="2182680"/>
-            <a:ext cx="1067040" cy="792000"/>
+            <a:ext cx="1066680" cy="791640"/>
           </a:xfrm>
           <a:prstGeom prst="rect">
             <a:avLst/>
@@ -16926,7 +16932,7 @@
         <p:spPr>
           <a:xfrm>
             <a:off x="2010960" y="3118680"/>
-            <a:ext cx="1186920" cy="1179360"/>
+            <a:ext cx="1186560" cy="1179000"/>
           </a:xfrm>
           <a:prstGeom prst="rect">
             <a:avLst/>
@@ -16957,7 +16963,7 @@
         <p:spPr>
           <a:xfrm>
             <a:off x="2076480" y="3546720"/>
-            <a:ext cx="1067040" cy="337680"/>
+            <a:ext cx="1066680" cy="337320"/>
           </a:xfrm>
           <a:prstGeom prst="rect">
             <a:avLst/>
@@ -17003,8 +17009,8 @@
         </p:nvSpPr>
         <p:spPr>
           <a:xfrm rot="10800000">
-            <a:off x="2611800" y="3117600"/>
-            <a:ext cx="360" cy="545760"/>
+            <a:off x="2611800" y="3117240"/>
+            <a:ext cx="360" cy="545400"/>
           </a:xfrm>
           <a:prstGeom prst="straightConnector1">
             <a:avLst/>
@@ -17033,7 +17039,7 @@
         <p:spPr>
           <a:xfrm>
             <a:off x="4399200" y="2780640"/>
-            <a:ext cx="344160" cy="243720"/>
+            <a:ext cx="343800" cy="243360"/>
           </a:xfrm>
           <a:prstGeom prst="rect">
             <a:avLst/>
@@ -17080,7 +17086,7 @@
         <p:spPr>
           <a:xfrm>
             <a:off x="2000160" y="2313000"/>
-            <a:ext cx="1067040" cy="165240"/>
+            <a:ext cx="1066680" cy="164880"/>
           </a:xfrm>
           <a:prstGeom prst="rect">
             <a:avLst/>
@@ -17127,7 +17133,7 @@
         <p:spPr>
           <a:xfrm>
             <a:off x="5869800" y="2313000"/>
-            <a:ext cx="836280" cy="165240"/>
+            <a:ext cx="835920" cy="164880"/>
           </a:xfrm>
           <a:prstGeom prst="rect">
             <a:avLst/>
@@ -17174,7 +17180,7 @@
         <p:spPr>
           <a:xfrm>
             <a:off x="5040000" y="1940040"/>
-            <a:ext cx="272520" cy="272520"/>
+            <a:ext cx="272160" cy="272160"/>
           </a:xfrm>
           <a:prstGeom prst="rect">
             <a:avLst/>
@@ -17205,7 +17211,7 @@
         <p:spPr>
           <a:xfrm>
             <a:off x="5040000" y="2213640"/>
-            <a:ext cx="272520" cy="272520"/>
+            <a:ext cx="272160" cy="272160"/>
           </a:xfrm>
           <a:prstGeom prst="rect">
             <a:avLst/>
@@ -17236,7 +17242,7 @@
         <p:spPr>
           <a:xfrm>
             <a:off x="5040000" y="2487240"/>
-            <a:ext cx="272520" cy="272520"/>
+            <a:ext cx="272160" cy="272160"/>
           </a:xfrm>
           <a:prstGeom prst="rect">
             <a:avLst/>
@@ -17267,7 +17273,7 @@
         <p:spPr>
           <a:xfrm>
             <a:off x="5040000" y="2760840"/>
-            <a:ext cx="272520" cy="272520"/>
+            <a:ext cx="272160" cy="272160"/>
           </a:xfrm>
           <a:prstGeom prst="rect">
             <a:avLst/>
@@ -17298,7 +17304,7 @@
         <p:spPr>
           <a:xfrm>
             <a:off x="5040000" y="3030480"/>
-            <a:ext cx="272520" cy="288000"/>
+            <a:ext cx="272160" cy="287640"/>
           </a:xfrm>
           <a:prstGeom prst="rect">
             <a:avLst/>
@@ -17329,7 +17335,7 @@
         <p:spPr>
           <a:xfrm>
             <a:off x="5040000" y="3319920"/>
-            <a:ext cx="272520" cy="288000"/>
+            <a:ext cx="272160" cy="287640"/>
           </a:xfrm>
           <a:prstGeom prst="rect">
             <a:avLst/>
@@ -17360,7 +17366,7 @@
         <p:spPr>
           <a:xfrm>
             <a:off x="4819320" y="1534320"/>
-            <a:ext cx="767520" cy="337680"/>
+            <a:ext cx="767160" cy="337320"/>
           </a:xfrm>
           <a:prstGeom prst="rect">
             <a:avLst/>
@@ -17407,7 +17413,7 @@
         <p:spPr>
           <a:xfrm>
             <a:off x="5004000" y="1958040"/>
-            <a:ext cx="376200" cy="243720"/>
+            <a:ext cx="375840" cy="243360"/>
           </a:xfrm>
           <a:prstGeom prst="rect">
             <a:avLst/>
@@ -17454,7 +17460,7 @@
         <p:spPr>
           <a:xfrm>
             <a:off x="4955400" y="2233440"/>
-            <a:ext cx="441720" cy="243720"/>
+            <a:ext cx="441360" cy="243360"/>
           </a:xfrm>
           <a:prstGeom prst="rect">
             <a:avLst/>
@@ -17501,7 +17507,7 @@
         <p:spPr>
           <a:xfrm>
             <a:off x="5004000" y="2498040"/>
-            <a:ext cx="344160" cy="243720"/>
+            <a:ext cx="343800" cy="243360"/>
           </a:xfrm>
           <a:prstGeom prst="rect">
             <a:avLst/>
@@ -17548,7 +17554,7 @@
         <p:spPr>
           <a:xfrm>
             <a:off x="5004000" y="2773440"/>
-            <a:ext cx="344160" cy="243720"/>
+            <a:ext cx="343800" cy="243360"/>
           </a:xfrm>
           <a:prstGeom prst="rect">
             <a:avLst/>
@@ -17595,7 +17601,7 @@
         <p:spPr>
           <a:xfrm>
             <a:off x="3670560" y="3045600"/>
-            <a:ext cx="483120" cy="243720"/>
+            <a:ext cx="482760" cy="243360"/>
           </a:xfrm>
           <a:prstGeom prst="rect">
             <a:avLst/>
@@ -17642,7 +17648,7 @@
         <p:spPr>
           <a:xfrm>
             <a:off x="3670560" y="3325320"/>
-            <a:ext cx="483120" cy="243720"/>
+            <a:ext cx="482760" cy="243360"/>
           </a:xfrm>
           <a:prstGeom prst="rect">
             <a:avLst/>
@@ -17689,7 +17695,7 @@
         <p:spPr>
           <a:xfrm>
             <a:off x="4320360" y="2508840"/>
-            <a:ext cx="483120" cy="243720"/>
+            <a:ext cx="482760" cy="243360"/>
           </a:xfrm>
           <a:prstGeom prst="rect">
             <a:avLst/>
@@ -17736,7 +17742,7 @@
         <p:spPr>
           <a:xfrm>
             <a:off x="4302720" y="3053880"/>
-            <a:ext cx="483120" cy="243720"/>
+            <a:ext cx="482760" cy="243360"/>
           </a:xfrm>
           <a:prstGeom prst="rect">
             <a:avLst/>
@@ -17782,8 +17788,8 @@
         </p:nvSpPr>
         <p:spPr>
           <a:xfrm rot="10800000">
-            <a:off x="968400" y="886680"/>
-            <a:ext cx="414000" cy="360"/>
+            <a:off x="973800" y="887400"/>
+            <a:ext cx="413640" cy="360"/>
           </a:xfrm>
           <a:prstGeom prst="straightConnector1">
             <a:avLst/>
@@ -17811,8 +17817,8 @@
         </p:nvSpPr>
         <p:spPr>
           <a:xfrm rot="10800000">
-            <a:off x="957240" y="1395720"/>
-            <a:ext cx="414000" cy="360"/>
+            <a:off x="957600" y="1396080"/>
+            <a:ext cx="413640" cy="360"/>
           </a:xfrm>
           <a:prstGeom prst="straightConnector1">
             <a:avLst/>
@@ -17841,7 +17847,7 @@
         <p:spPr>
           <a:xfrm>
             <a:off x="560160" y="885600"/>
-            <a:ext cx="360" cy="298800"/>
+            <a:ext cx="360" cy="298440"/>
           </a:xfrm>
           <a:prstGeom prst="straightConnector1">
             <a:avLst/>
@@ -17870,7 +17876,7 @@
         <p:spPr>
           <a:xfrm>
             <a:off x="543240" y="1395000"/>
-            <a:ext cx="360" cy="298800"/>
+            <a:ext cx="360" cy="298440"/>
           </a:xfrm>
           <a:prstGeom prst="straightConnector1">
             <a:avLst/>
@@ -17899,7 +17905,7 @@
         <p:spPr>
           <a:xfrm>
             <a:off x="566640" y="1198440"/>
-            <a:ext cx="392400" cy="360"/>
+            <a:ext cx="392040" cy="360"/>
           </a:xfrm>
           <a:prstGeom prst="straightConnector1">
             <a:avLst/>
@@ -17929,7 +17935,7 @@
         <p:spPr>
           <a:xfrm>
             <a:off x="543240" y="1703880"/>
-            <a:ext cx="392400" cy="360"/>
+            <a:ext cx="392040" cy="360"/>
           </a:xfrm>
           <a:prstGeom prst="straightConnector1">
             <a:avLst/>
@@ -17959,7 +17965,7 @@
         <p:spPr>
           <a:xfrm>
             <a:off x="158760" y="426600"/>
-            <a:ext cx="767520" cy="383400"/>
+            <a:ext cx="767160" cy="383040"/>
           </a:xfrm>
           <a:prstGeom prst="rect">
             <a:avLst/>
@@ -18006,7 +18012,7 @@
         <p:spPr>
           <a:xfrm>
             <a:off x="8105760" y="2061360"/>
-            <a:ext cx="918720" cy="959400"/>
+            <a:ext cx="918360" cy="959040"/>
           </a:xfrm>
           <a:prstGeom prst="rect">
             <a:avLst/>
@@ -18037,7 +18043,7 @@
         <p:spPr>
           <a:xfrm>
             <a:off x="8031600" y="2144880"/>
-            <a:ext cx="1067040" cy="792000"/>
+            <a:ext cx="1066680" cy="791640"/>
           </a:xfrm>
           <a:prstGeom prst="rect">
             <a:avLst/>
@@ -18084,7 +18090,7 @@
         <p:spPr>
           <a:xfrm>
             <a:off x="7833960" y="2571840"/>
-            <a:ext cx="234360" cy="360"/>
+            <a:ext cx="234000" cy="360"/>
           </a:xfrm>
           <a:prstGeom prst="straightConnector1">
             <a:avLst/>
@@ -18165,7 +18171,7 @@
         <p:spPr>
           <a:xfrm>
             <a:off x="274320" y="142200"/>
-            <a:ext cx="8868960" cy="314280"/>
+            <a:ext cx="8868600" cy="313920"/>
           </a:xfrm>
           <a:prstGeom prst="rect">
             <a:avLst/>
@@ -18207,7 +18213,7 @@
         <p:spPr>
           <a:xfrm>
             <a:off x="311760" y="1005840"/>
-            <a:ext cx="7825680" cy="2866680"/>
+            <a:ext cx="7825320" cy="2866320"/>
           </a:xfrm>
           <a:prstGeom prst="rect">
             <a:avLst/>
@@ -18695,7 +18701,7 @@
         <p:spPr>
           <a:xfrm>
             <a:off x="2834640" y="965880"/>
-            <a:ext cx="3110400" cy="3110400"/>
+            <a:ext cx="3110040" cy="3110040"/>
           </a:xfrm>
           <a:prstGeom prst="ellipse">
             <a:avLst/>
@@ -18726,7 +18732,7 @@
         <p:spPr>
           <a:xfrm>
             <a:off x="4233960" y="617400"/>
-            <a:ext cx="669960" cy="455040"/>
+            <a:ext cx="669600" cy="454680"/>
           </a:xfrm>
           <a:prstGeom prst="rect">
             <a:avLst/>
@@ -18773,7 +18779,7 @@
         <p:spPr>
           <a:xfrm>
             <a:off x="3462120" y="2080800"/>
-            <a:ext cx="272520" cy="272520"/>
+            <a:ext cx="272160" cy="272160"/>
           </a:xfrm>
           <a:prstGeom prst="rect">
             <a:avLst/>
@@ -18804,7 +18810,7 @@
         <p:spPr>
           <a:xfrm>
             <a:off x="3462120" y="2354400"/>
-            <a:ext cx="272520" cy="272520"/>
+            <a:ext cx="272160" cy="272160"/>
           </a:xfrm>
           <a:prstGeom prst="rect">
             <a:avLst/>
@@ -18835,7 +18841,7 @@
         <p:spPr>
           <a:xfrm>
             <a:off x="3462120" y="2628000"/>
-            <a:ext cx="272520" cy="272520"/>
+            <a:ext cx="272160" cy="272160"/>
           </a:xfrm>
           <a:prstGeom prst="rect">
             <a:avLst/>
@@ -18866,7 +18872,7 @@
         <p:spPr>
           <a:xfrm>
             <a:off x="3462120" y="2901600"/>
-            <a:ext cx="272520" cy="272520"/>
+            <a:ext cx="272160" cy="272160"/>
           </a:xfrm>
           <a:prstGeom prst="rect">
             <a:avLst/>
@@ -18897,7 +18903,7 @@
         <p:spPr>
           <a:xfrm>
             <a:off x="3462120" y="3171240"/>
-            <a:ext cx="272520" cy="288000"/>
+            <a:ext cx="272160" cy="287640"/>
           </a:xfrm>
           <a:prstGeom prst="rect">
             <a:avLst/>
@@ -18928,7 +18934,7 @@
         <p:spPr>
           <a:xfrm>
             <a:off x="3462120" y="3460680"/>
-            <a:ext cx="272520" cy="288000"/>
+            <a:ext cx="272160" cy="287640"/>
           </a:xfrm>
           <a:prstGeom prst="rect">
             <a:avLst/>
@@ -18959,7 +18965,7 @@
         <p:spPr>
           <a:xfrm>
             <a:off x="4185000" y="2080800"/>
-            <a:ext cx="272520" cy="272520"/>
+            <a:ext cx="272160" cy="272160"/>
           </a:xfrm>
           <a:prstGeom prst="rect">
             <a:avLst/>
@@ -18990,7 +18996,7 @@
         <p:spPr>
           <a:xfrm>
             <a:off x="4185000" y="2354400"/>
-            <a:ext cx="272520" cy="272520"/>
+            <a:ext cx="272160" cy="272160"/>
           </a:xfrm>
           <a:prstGeom prst="rect">
             <a:avLst/>
@@ -19021,7 +19027,7 @@
         <p:spPr>
           <a:xfrm>
             <a:off x="4185000" y="2628000"/>
-            <a:ext cx="272520" cy="272520"/>
+            <a:ext cx="272160" cy="272160"/>
           </a:xfrm>
           <a:prstGeom prst="rect">
             <a:avLst/>
@@ -19052,7 +19058,7 @@
         <p:spPr>
           <a:xfrm>
             <a:off x="4185000" y="2901600"/>
-            <a:ext cx="272520" cy="272520"/>
+            <a:ext cx="272160" cy="272160"/>
           </a:xfrm>
           <a:prstGeom prst="rect">
             <a:avLst/>
@@ -19083,7 +19089,7 @@
         <p:spPr>
           <a:xfrm>
             <a:off x="4185000" y="3171600"/>
-            <a:ext cx="272520" cy="288000"/>
+            <a:ext cx="272160" cy="287640"/>
           </a:xfrm>
           <a:prstGeom prst="rect">
             <a:avLst/>
@@ -19114,7 +19120,7 @@
         <p:spPr>
           <a:xfrm>
             <a:off x="4185000" y="3460680"/>
-            <a:ext cx="272520" cy="288000"/>
+            <a:ext cx="272160" cy="287640"/>
           </a:xfrm>
           <a:prstGeom prst="rect">
             <a:avLst/>
@@ -19145,7 +19151,7 @@
         <p:spPr>
           <a:xfrm>
             <a:off x="3108960" y="1584360"/>
-            <a:ext cx="918720" cy="518400"/>
+            <a:ext cx="918360" cy="518040"/>
           </a:xfrm>
           <a:prstGeom prst="rect">
             <a:avLst/>
@@ -19210,7 +19216,7 @@
         <p:spPr>
           <a:xfrm>
             <a:off x="4100400" y="1675440"/>
-            <a:ext cx="441720" cy="337680"/>
+            <a:ext cx="441360" cy="337320"/>
           </a:xfrm>
           <a:prstGeom prst="rect">
             <a:avLst/>
@@ -19257,7 +19263,7 @@
         <p:spPr>
           <a:xfrm>
             <a:off x="3426480" y="2095200"/>
-            <a:ext cx="344160" cy="243720"/>
+            <a:ext cx="343800" cy="243360"/>
           </a:xfrm>
           <a:prstGeom prst="rect">
             <a:avLst/>
@@ -19304,7 +19310,7 @@
         <p:spPr>
           <a:xfrm>
             <a:off x="3357000" y="2368800"/>
-            <a:ext cx="483120" cy="243720"/>
+            <a:ext cx="482760" cy="243360"/>
           </a:xfrm>
           <a:prstGeom prst="rect">
             <a:avLst/>
@@ -19351,7 +19357,7 @@
         <p:spPr>
           <a:xfrm>
             <a:off x="3426480" y="2635200"/>
-            <a:ext cx="344160" cy="243720"/>
+            <a:ext cx="343800" cy="243360"/>
           </a:xfrm>
           <a:prstGeom prst="rect">
             <a:avLst/>
@@ -19398,7 +19404,7 @@
         <p:spPr>
           <a:xfrm>
             <a:off x="968400" y="540360"/>
-            <a:ext cx="441720" cy="441720"/>
+            <a:ext cx="441360" cy="441360"/>
           </a:xfrm>
           <a:prstGeom prst="rect">
             <a:avLst/>
@@ -19429,7 +19435,7 @@
         <p:spPr>
           <a:xfrm>
             <a:off x="1001160" y="617760"/>
-            <a:ext cx="376200" cy="287640"/>
+            <a:ext cx="375840" cy="287280"/>
           </a:xfrm>
           <a:prstGeom prst="rect">
             <a:avLst/>
@@ -19476,7 +19482,7 @@
         <p:spPr>
           <a:xfrm>
             <a:off x="968400" y="1057680"/>
-            <a:ext cx="441720" cy="441720"/>
+            <a:ext cx="441360" cy="441360"/>
           </a:xfrm>
           <a:prstGeom prst="rect">
             <a:avLst/>
@@ -19507,7 +19513,7 @@
         <p:spPr>
           <a:xfrm>
             <a:off x="1001160" y="1134720"/>
-            <a:ext cx="376200" cy="287640"/>
+            <a:ext cx="375840" cy="287280"/>
           </a:xfrm>
           <a:prstGeom prst="rect">
             <a:avLst/>
@@ -19554,7 +19560,7 @@
         <p:spPr>
           <a:xfrm>
             <a:off x="968400" y="1574640"/>
-            <a:ext cx="441720" cy="441720"/>
+            <a:ext cx="441360" cy="441360"/>
           </a:xfrm>
           <a:prstGeom prst="rect">
             <a:avLst/>
@@ -19585,7 +19591,7 @@
         <p:spPr>
           <a:xfrm>
             <a:off x="1001160" y="1651680"/>
-            <a:ext cx="376200" cy="287640"/>
+            <a:ext cx="375840" cy="287280"/>
           </a:xfrm>
           <a:prstGeom prst="rect">
             <a:avLst/>
@@ -19632,7 +19638,7 @@
         <p:spPr>
           <a:xfrm>
             <a:off x="968400" y="2091960"/>
-            <a:ext cx="441720" cy="441720"/>
+            <a:ext cx="441360" cy="441360"/>
           </a:xfrm>
           <a:prstGeom prst="rect">
             <a:avLst/>
@@ -19663,7 +19669,7 @@
         <p:spPr>
           <a:xfrm>
             <a:off x="1001160" y="2169000"/>
-            <a:ext cx="376200" cy="287640"/>
+            <a:ext cx="375840" cy="287280"/>
           </a:xfrm>
           <a:prstGeom prst="rect">
             <a:avLst/>
@@ -19710,7 +19716,7 @@
         <p:spPr>
           <a:xfrm>
             <a:off x="968400" y="2608920"/>
-            <a:ext cx="441720" cy="441720"/>
+            <a:ext cx="441360" cy="441360"/>
           </a:xfrm>
           <a:prstGeom prst="rect">
             <a:avLst/>
@@ -19741,7 +19747,7 @@
         <p:spPr>
           <a:xfrm>
             <a:off x="1001160" y="2685960"/>
-            <a:ext cx="376200" cy="287640"/>
+            <a:ext cx="375840" cy="287280"/>
           </a:xfrm>
           <a:prstGeom prst="rect">
             <a:avLst/>
@@ -19788,7 +19794,7 @@
         <p:spPr>
           <a:xfrm>
             <a:off x="968400" y="3125880"/>
-            <a:ext cx="441720" cy="441720"/>
+            <a:ext cx="441360" cy="441360"/>
           </a:xfrm>
           <a:prstGeom prst="rect">
             <a:avLst/>
@@ -19819,7 +19825,7 @@
         <p:spPr>
           <a:xfrm>
             <a:off x="1001160" y="3202920"/>
-            <a:ext cx="376200" cy="287640"/>
+            <a:ext cx="375840" cy="287280"/>
           </a:xfrm>
           <a:prstGeom prst="rect">
             <a:avLst/>
@@ -19866,7 +19872,7 @@
         <p:spPr>
           <a:xfrm>
             <a:off x="968400" y="3643200"/>
-            <a:ext cx="441720" cy="441720"/>
+            <a:ext cx="441360" cy="441360"/>
           </a:xfrm>
           <a:prstGeom prst="rect">
             <a:avLst/>
@@ -19897,7 +19903,7 @@
         <p:spPr>
           <a:xfrm>
             <a:off x="1001160" y="3720240"/>
-            <a:ext cx="376200" cy="287640"/>
+            <a:ext cx="375840" cy="287280"/>
           </a:xfrm>
           <a:prstGeom prst="rect">
             <a:avLst/>
@@ -19944,7 +19950,7 @@
         <p:spPr>
           <a:xfrm>
             <a:off x="968400" y="4160160"/>
-            <a:ext cx="441720" cy="441720"/>
+            <a:ext cx="441360" cy="441360"/>
           </a:xfrm>
           <a:prstGeom prst="rect">
             <a:avLst/>
@@ -19975,7 +19981,7 @@
         <p:spPr>
           <a:xfrm>
             <a:off x="1001160" y="4237200"/>
-            <a:ext cx="376200" cy="287640"/>
+            <a:ext cx="375840" cy="287280"/>
           </a:xfrm>
           <a:prstGeom prst="rect">
             <a:avLst/>
@@ -20022,7 +20028,7 @@
         <p:spPr>
           <a:xfrm>
             <a:off x="3426480" y="2921760"/>
-            <a:ext cx="344160" cy="243720"/>
+            <a:ext cx="343800" cy="243360"/>
           </a:xfrm>
           <a:prstGeom prst="rect">
             <a:avLst/>
@@ -20069,7 +20075,7 @@
         <p:spPr>
           <a:xfrm>
             <a:off x="4149000" y="2098800"/>
-            <a:ext cx="344160" cy="243720"/>
+            <a:ext cx="343800" cy="243360"/>
           </a:xfrm>
           <a:prstGeom prst="rect">
             <a:avLst/>
@@ -20116,7 +20122,7 @@
         <p:spPr>
           <a:xfrm>
             <a:off x="4100400" y="2374200"/>
-            <a:ext cx="441720" cy="243720"/>
+            <a:ext cx="441360" cy="243360"/>
           </a:xfrm>
           <a:prstGeom prst="rect">
             <a:avLst/>
@@ -20163,7 +20169,7 @@
         <p:spPr>
           <a:xfrm>
             <a:off x="1411200" y="761760"/>
-            <a:ext cx="539640" cy="360"/>
+            <a:ext cx="539280" cy="360"/>
           </a:xfrm>
           <a:prstGeom prst="straightConnector1">
             <a:avLst/>
@@ -20191,8 +20197,8 @@
         </p:nvSpPr>
         <p:spPr>
           <a:xfrm rot="10800000">
-            <a:off x="1952280" y="4381560"/>
-            <a:ext cx="360" cy="3620160"/>
+            <a:off x="1953000" y="4381560"/>
+            <a:ext cx="360" cy="3619800"/>
           </a:xfrm>
           <a:prstGeom prst="straightConnector1">
             <a:avLst/>
@@ -20221,7 +20227,7 @@
         <p:spPr>
           <a:xfrm>
             <a:off x="1407960" y="4381560"/>
-            <a:ext cx="542880" cy="360"/>
+            <a:ext cx="542520" cy="360"/>
           </a:xfrm>
           <a:prstGeom prst="straightConnector1">
             <a:avLst/>
@@ -20250,7 +20256,7 @@
         <p:spPr>
           <a:xfrm>
             <a:off x="1411200" y="1279080"/>
-            <a:ext cx="539640" cy="360"/>
+            <a:ext cx="539280" cy="360"/>
           </a:xfrm>
           <a:prstGeom prst="straightConnector1">
             <a:avLst/>
@@ -20279,7 +20285,7 @@
         <p:spPr>
           <a:xfrm>
             <a:off x="1411200" y="1796040"/>
-            <a:ext cx="539640" cy="360"/>
+            <a:ext cx="539280" cy="360"/>
           </a:xfrm>
           <a:prstGeom prst="straightConnector1">
             <a:avLst/>
@@ -20308,7 +20314,7 @@
         <p:spPr>
           <a:xfrm>
             <a:off x="1419840" y="2313360"/>
-            <a:ext cx="539640" cy="360"/>
+            <a:ext cx="539280" cy="360"/>
           </a:xfrm>
           <a:prstGeom prst="straightConnector1">
             <a:avLst/>
@@ -20337,7 +20343,7 @@
         <p:spPr>
           <a:xfrm>
             <a:off x="1419840" y="2830320"/>
-            <a:ext cx="539640" cy="360"/>
+            <a:ext cx="539280" cy="360"/>
           </a:xfrm>
           <a:prstGeom prst="straightConnector1">
             <a:avLst/>
@@ -20366,7 +20372,7 @@
         <p:spPr>
           <a:xfrm>
             <a:off x="1419840" y="3310920"/>
-            <a:ext cx="539640" cy="360"/>
+            <a:ext cx="539280" cy="360"/>
           </a:xfrm>
           <a:prstGeom prst="straightConnector1">
             <a:avLst/>
@@ -20395,7 +20401,7 @@
         <p:spPr>
           <a:xfrm>
             <a:off x="1419840" y="3864600"/>
-            <a:ext cx="539640" cy="360"/>
+            <a:ext cx="539280" cy="360"/>
           </a:xfrm>
           <a:prstGeom prst="straightConnector1">
             <a:avLst/>
@@ -20424,7 +20430,7 @@
         <p:spPr>
           <a:xfrm>
             <a:off x="2926080" y="79200"/>
-            <a:ext cx="2589480" cy="287640"/>
+            <a:ext cx="2589120" cy="287280"/>
           </a:xfrm>
           <a:prstGeom prst="rect">
             <a:avLst/>
@@ -20489,7 +20495,7 @@
         <p:spPr>
           <a:xfrm>
             <a:off x="1960200" y="2571840"/>
-            <a:ext cx="874080" cy="360"/>
+            <a:ext cx="873720" cy="360"/>
           </a:xfrm>
           <a:prstGeom prst="straightConnector1">
             <a:avLst/>
@@ -20518,7 +20524,7 @@
         <p:spPr>
           <a:xfrm>
             <a:off x="6774840" y="2061360"/>
-            <a:ext cx="1041120" cy="1034640"/>
+            <a:ext cx="1040760" cy="1034280"/>
           </a:xfrm>
           <a:prstGeom prst="rect">
             <a:avLst/>
@@ -20549,7 +20555,7 @@
         <p:spPr>
           <a:xfrm>
             <a:off x="7139520" y="586440"/>
-            <a:ext cx="1186920" cy="1179360"/>
+            <a:ext cx="1186560" cy="1179000"/>
           </a:xfrm>
           <a:prstGeom prst="rect">
             <a:avLst/>
@@ -20580,7 +20586,7 @@
         <p:spPr>
           <a:xfrm>
             <a:off x="7199640" y="1014480"/>
-            <a:ext cx="1067040" cy="337680"/>
+            <a:ext cx="1066680" cy="337320"/>
           </a:xfrm>
           <a:prstGeom prst="rect">
             <a:avLst/>
@@ -20627,7 +20633,7 @@
         <p:spPr>
           <a:xfrm>
             <a:off x="7139520" y="3391200"/>
-            <a:ext cx="1186920" cy="1179360"/>
+            <a:ext cx="1186560" cy="1179000"/>
           </a:xfrm>
           <a:prstGeom prst="rect">
             <a:avLst/>
@@ -20658,7 +20664,7 @@
         <p:spPr>
           <a:xfrm>
             <a:off x="7199640" y="3819240"/>
-            <a:ext cx="1067040" cy="337680"/>
+            <a:ext cx="1066680" cy="337320"/>
           </a:xfrm>
           <a:prstGeom prst="rect">
             <a:avLst/>
@@ -20705,7 +20711,7 @@
         <p:spPr>
           <a:xfrm>
             <a:off x="6599160" y="1176480"/>
-            <a:ext cx="539640" cy="360"/>
+            <a:ext cx="539280" cy="360"/>
           </a:xfrm>
           <a:prstGeom prst="straightConnector1">
             <a:avLst/>
@@ -20734,7 +20740,7 @@
         <p:spPr>
           <a:xfrm>
             <a:off x="5946120" y="2571840"/>
-            <a:ext cx="806040" cy="360"/>
+            <a:ext cx="805680" cy="360"/>
           </a:xfrm>
           <a:prstGeom prst="straightConnector1">
             <a:avLst/>
@@ -20763,7 +20769,7 @@
         <p:spPr>
           <a:xfrm>
             <a:off x="6582960" y="3988800"/>
-            <a:ext cx="539640" cy="360"/>
+            <a:ext cx="539280" cy="360"/>
           </a:xfrm>
           <a:prstGeom prst="straightConnector1">
             <a:avLst/>
@@ -20791,8 +20797,8 @@
         </p:nvSpPr>
         <p:spPr>
           <a:xfrm rot="10800000">
-            <a:off x="6582960" y="3988800"/>
-            <a:ext cx="360" cy="2812680"/>
+            <a:off x="6599520" y="3989160"/>
+            <a:ext cx="360" cy="2812320"/>
           </a:xfrm>
           <a:prstGeom prst="straightConnector1">
             <a:avLst/>
@@ -20821,7 +20827,7 @@
         <p:spPr>
           <a:xfrm>
             <a:off x="6753240" y="2182680"/>
-            <a:ext cx="1067040" cy="792000"/>
+            <a:ext cx="1066680" cy="791640"/>
           </a:xfrm>
           <a:prstGeom prst="rect">
             <a:avLst/>
@@ -20868,7 +20874,7 @@
         <p:spPr>
           <a:xfrm>
             <a:off x="2011680" y="2844720"/>
-            <a:ext cx="817920" cy="812520"/>
+            <a:ext cx="817560" cy="812160"/>
           </a:xfrm>
           <a:prstGeom prst="rect">
             <a:avLst/>
@@ -20899,7 +20905,7 @@
         <p:spPr>
           <a:xfrm>
             <a:off x="1858680" y="3045240"/>
-            <a:ext cx="1067040" cy="337680"/>
+            <a:ext cx="1066680" cy="337320"/>
           </a:xfrm>
           <a:prstGeom prst="rect">
             <a:avLst/>
@@ -20945,8 +20951,8 @@
         </p:nvSpPr>
         <p:spPr>
           <a:xfrm rot="10800000">
-            <a:off x="2378160" y="2845440"/>
-            <a:ext cx="360" cy="272520"/>
+            <a:off x="2378880" y="2845800"/>
+            <a:ext cx="360" cy="272160"/>
           </a:xfrm>
           <a:prstGeom prst="straightConnector1">
             <a:avLst/>
@@ -20975,7 +20981,7 @@
         <p:spPr>
           <a:xfrm>
             <a:off x="4149000" y="2914200"/>
-            <a:ext cx="344160" cy="243720"/>
+            <a:ext cx="343800" cy="243360"/>
           </a:xfrm>
           <a:prstGeom prst="rect">
             <a:avLst/>
@@ -21022,7 +21028,7 @@
         <p:spPr>
           <a:xfrm>
             <a:off x="1859400" y="2306160"/>
-            <a:ext cx="1067040" cy="165240"/>
+            <a:ext cx="1066680" cy="164880"/>
           </a:xfrm>
           <a:prstGeom prst="rect">
             <a:avLst/>
@@ -21069,7 +21075,7 @@
         <p:spPr>
           <a:xfrm>
             <a:off x="5869800" y="2313000"/>
-            <a:ext cx="836280" cy="165240"/>
+            <a:ext cx="835920" cy="164880"/>
           </a:xfrm>
           <a:prstGeom prst="rect">
             <a:avLst/>
@@ -21116,7 +21122,7 @@
         <p:spPr>
           <a:xfrm>
             <a:off x="4884120" y="2080800"/>
-            <a:ext cx="272520" cy="272520"/>
+            <a:ext cx="272160" cy="272160"/>
           </a:xfrm>
           <a:prstGeom prst="rect">
             <a:avLst/>
@@ -21147,7 +21153,7 @@
         <p:spPr>
           <a:xfrm>
             <a:off x="4884120" y="2354400"/>
-            <a:ext cx="272520" cy="272520"/>
+            <a:ext cx="272160" cy="272160"/>
           </a:xfrm>
           <a:prstGeom prst="rect">
             <a:avLst/>
@@ -21178,7 +21184,7 @@
         <p:spPr>
           <a:xfrm>
             <a:off x="4884120" y="2628000"/>
-            <a:ext cx="272520" cy="272520"/>
+            <a:ext cx="272160" cy="272160"/>
           </a:xfrm>
           <a:prstGeom prst="rect">
             <a:avLst/>
@@ -21209,7 +21215,7 @@
         <p:spPr>
           <a:xfrm>
             <a:off x="4884120" y="2901600"/>
-            <a:ext cx="272520" cy="272520"/>
+            <a:ext cx="272160" cy="272160"/>
           </a:xfrm>
           <a:prstGeom prst="rect">
             <a:avLst/>
@@ -21240,7 +21246,7 @@
         <p:spPr>
           <a:xfrm>
             <a:off x="4884120" y="3171240"/>
-            <a:ext cx="272520" cy="288000"/>
+            <a:ext cx="272160" cy="287640"/>
           </a:xfrm>
           <a:prstGeom prst="rect">
             <a:avLst/>
@@ -21271,7 +21277,7 @@
         <p:spPr>
           <a:xfrm>
             <a:off x="4884120" y="3460680"/>
-            <a:ext cx="272520" cy="288000"/>
+            <a:ext cx="272160" cy="287640"/>
           </a:xfrm>
           <a:prstGeom prst="rect">
             <a:avLst/>
@@ -21302,7 +21308,7 @@
         <p:spPr>
           <a:xfrm>
             <a:off x="4663440" y="1675080"/>
-            <a:ext cx="767520" cy="337680"/>
+            <a:ext cx="767160" cy="337320"/>
           </a:xfrm>
           <a:prstGeom prst="rect">
             <a:avLst/>
@@ -21349,7 +21355,7 @@
         <p:spPr>
           <a:xfrm>
             <a:off x="4848120" y="2098800"/>
-            <a:ext cx="376200" cy="243720"/>
+            <a:ext cx="375840" cy="243360"/>
           </a:xfrm>
           <a:prstGeom prst="rect">
             <a:avLst/>
@@ -21396,7 +21402,7 @@
         <p:spPr>
           <a:xfrm>
             <a:off x="4799520" y="2374200"/>
-            <a:ext cx="441720" cy="243720"/>
+            <a:ext cx="441360" cy="243360"/>
           </a:xfrm>
           <a:prstGeom prst="rect">
             <a:avLst/>
@@ -21443,7 +21449,7 @@
         <p:spPr>
           <a:xfrm>
             <a:off x="4848120" y="2638800"/>
-            <a:ext cx="344160" cy="243720"/>
+            <a:ext cx="343800" cy="243360"/>
           </a:xfrm>
           <a:prstGeom prst="rect">
             <a:avLst/>
@@ -21490,7 +21496,7 @@
         <p:spPr>
           <a:xfrm>
             <a:off x="4848120" y="2914200"/>
-            <a:ext cx="344160" cy="243720"/>
+            <a:ext cx="343800" cy="243360"/>
           </a:xfrm>
           <a:prstGeom prst="rect">
             <a:avLst/>
@@ -21537,7 +21543,7 @@
         <p:spPr>
           <a:xfrm>
             <a:off x="3357000" y="3195360"/>
-            <a:ext cx="483120" cy="243720"/>
+            <a:ext cx="482760" cy="243360"/>
           </a:xfrm>
           <a:prstGeom prst="rect">
             <a:avLst/>
@@ -21584,7 +21590,7 @@
         <p:spPr>
           <a:xfrm>
             <a:off x="3357000" y="3475080"/>
-            <a:ext cx="483120" cy="243720"/>
+            <a:ext cx="482760" cy="243360"/>
           </a:xfrm>
           <a:prstGeom prst="rect">
             <a:avLst/>
@@ -21631,7 +21637,7 @@
         <p:spPr>
           <a:xfrm>
             <a:off x="4070160" y="2642400"/>
-            <a:ext cx="483120" cy="243720"/>
+            <a:ext cx="482760" cy="243360"/>
           </a:xfrm>
           <a:prstGeom prst="rect">
             <a:avLst/>
@@ -21678,7 +21684,7 @@
         <p:spPr>
           <a:xfrm>
             <a:off x="4088520" y="3187440"/>
-            <a:ext cx="483120" cy="243720"/>
+            <a:ext cx="482760" cy="243360"/>
           </a:xfrm>
           <a:prstGeom prst="rect">
             <a:avLst/>
@@ -21724,8 +21730,8 @@
         </p:nvSpPr>
         <p:spPr>
           <a:xfrm rot="10800000">
-            <a:off x="974160" y="885600"/>
-            <a:ext cx="414000" cy="360"/>
+            <a:off x="974520" y="885600"/>
+            <a:ext cx="413640" cy="360"/>
           </a:xfrm>
           <a:prstGeom prst="straightConnector1">
             <a:avLst/>
@@ -21753,8 +21759,8 @@
         </p:nvSpPr>
         <p:spPr>
           <a:xfrm rot="10800000">
-            <a:off x="957240" y="1395360"/>
-            <a:ext cx="414000" cy="360"/>
+            <a:off x="968400" y="1395720"/>
+            <a:ext cx="413640" cy="360"/>
           </a:xfrm>
           <a:prstGeom prst="straightConnector1">
             <a:avLst/>
@@ -21783,7 +21789,7 @@
         <p:spPr>
           <a:xfrm>
             <a:off x="560160" y="885600"/>
-            <a:ext cx="360" cy="298800"/>
+            <a:ext cx="360" cy="298440"/>
           </a:xfrm>
           <a:prstGeom prst="straightConnector1">
             <a:avLst/>
@@ -21812,7 +21818,7 @@
         <p:spPr>
           <a:xfrm>
             <a:off x="543240" y="1395000"/>
-            <a:ext cx="360" cy="298800"/>
+            <a:ext cx="360" cy="298440"/>
           </a:xfrm>
           <a:prstGeom prst="straightConnector1">
             <a:avLst/>
@@ -21841,7 +21847,7 @@
         <p:spPr>
           <a:xfrm>
             <a:off x="566640" y="1198440"/>
-            <a:ext cx="392400" cy="360"/>
+            <a:ext cx="392040" cy="360"/>
           </a:xfrm>
           <a:prstGeom prst="straightConnector1">
             <a:avLst/>
@@ -21871,7 +21877,7 @@
         <p:spPr>
           <a:xfrm>
             <a:off x="543240" y="1703880"/>
-            <a:ext cx="392400" cy="360"/>
+            <a:ext cx="392040" cy="360"/>
           </a:xfrm>
           <a:prstGeom prst="straightConnector1">
             <a:avLst/>
@@ -21901,7 +21907,7 @@
         <p:spPr>
           <a:xfrm>
             <a:off x="158760" y="426600"/>
-            <a:ext cx="767520" cy="383400"/>
+            <a:ext cx="767160" cy="383040"/>
           </a:xfrm>
           <a:prstGeom prst="rect">
             <a:avLst/>
@@ -21948,7 +21954,7 @@
         <p:spPr>
           <a:xfrm>
             <a:off x="8105760" y="2061360"/>
-            <a:ext cx="918720" cy="959400"/>
+            <a:ext cx="918360" cy="959040"/>
           </a:xfrm>
           <a:prstGeom prst="rect">
             <a:avLst/>
@@ -21979,7 +21985,7 @@
         <p:spPr>
           <a:xfrm>
             <a:off x="8031600" y="2144880"/>
-            <a:ext cx="1067040" cy="792000"/>
+            <a:ext cx="1066680" cy="791640"/>
           </a:xfrm>
           <a:prstGeom prst="rect">
             <a:avLst/>
@@ -22026,7 +22032,7 @@
         <p:spPr>
           <a:xfrm>
             <a:off x="7833960" y="2571840"/>
-            <a:ext cx="234360" cy="360"/>
+            <a:ext cx="234000" cy="360"/>
           </a:xfrm>
           <a:prstGeom prst="straightConnector1">
             <a:avLst/>
@@ -22055,7 +22061,7 @@
         <p:spPr>
           <a:xfrm>
             <a:off x="3895560" y="914400"/>
-            <a:ext cx="1041840" cy="337680"/>
+            <a:ext cx="1041480" cy="337320"/>
           </a:xfrm>
           <a:prstGeom prst="rect">
             <a:avLst/>
@@ -22102,7 +22108,7 @@
         <p:spPr>
           <a:xfrm>
             <a:off x="3840480" y="1188720"/>
-            <a:ext cx="1188360" cy="273960"/>
+            <a:ext cx="1188000" cy="273600"/>
           </a:xfrm>
           <a:prstGeom prst="rect">
             <a:avLst/>
